--- a/docs/WebCenterSites11gIntroduction.pptx
+++ b/docs/WebCenterSites11gIntroduction.pptx
@@ -5,7 +5,7 @@
     <p:sldMasterId id="2147483930" r:id="rId1"/>
   </p:sldMasterIdLst>
   <p:notesMasterIdLst>
-    <p:notesMasterId r:id="rId51"/>
+    <p:notesMasterId r:id="rId61"/>
   </p:notesMasterIdLst>
   <p:sldIdLst>
     <p:sldId id="256" r:id="rId2"/>
@@ -41,22 +41,32 @@
     <p:sldId id="307" r:id="rId32"/>
     <p:sldId id="306" r:id="rId33"/>
     <p:sldId id="350" r:id="rId34"/>
-    <p:sldId id="395" r:id="rId35"/>
-    <p:sldId id="396" r:id="rId36"/>
-    <p:sldId id="397" r:id="rId37"/>
-    <p:sldId id="398" r:id="rId38"/>
-    <p:sldId id="399" r:id="rId39"/>
-    <p:sldId id="400" r:id="rId40"/>
-    <p:sldId id="401" r:id="rId41"/>
-    <p:sldId id="402" r:id="rId42"/>
-    <p:sldId id="403" r:id="rId43"/>
-    <p:sldId id="404" r:id="rId44"/>
-    <p:sldId id="406" r:id="rId45"/>
-    <p:sldId id="407" r:id="rId46"/>
-    <p:sldId id="408" r:id="rId47"/>
-    <p:sldId id="409" r:id="rId48"/>
-    <p:sldId id="410" r:id="rId49"/>
-    <p:sldId id="411" r:id="rId50"/>
+    <p:sldId id="412" r:id="rId35"/>
+    <p:sldId id="413" r:id="rId36"/>
+    <p:sldId id="414" r:id="rId37"/>
+    <p:sldId id="415" r:id="rId38"/>
+    <p:sldId id="416" r:id="rId39"/>
+    <p:sldId id="417" r:id="rId40"/>
+    <p:sldId id="418" r:id="rId41"/>
+    <p:sldId id="419" r:id="rId42"/>
+    <p:sldId id="420" r:id="rId43"/>
+    <p:sldId id="421" r:id="rId44"/>
+    <p:sldId id="395" r:id="rId45"/>
+    <p:sldId id="396" r:id="rId46"/>
+    <p:sldId id="397" r:id="rId47"/>
+    <p:sldId id="398" r:id="rId48"/>
+    <p:sldId id="399" r:id="rId49"/>
+    <p:sldId id="400" r:id="rId50"/>
+    <p:sldId id="401" r:id="rId51"/>
+    <p:sldId id="402" r:id="rId52"/>
+    <p:sldId id="403" r:id="rId53"/>
+    <p:sldId id="404" r:id="rId54"/>
+    <p:sldId id="406" r:id="rId55"/>
+    <p:sldId id="407" r:id="rId56"/>
+    <p:sldId id="408" r:id="rId57"/>
+    <p:sldId id="409" r:id="rId58"/>
+    <p:sldId id="410" r:id="rId59"/>
+    <p:sldId id="411" r:id="rId60"/>
   </p:sldIdLst>
   <p:sldSz cx="9144000" cy="6858000" type="screen4x3"/>
   <p:notesSz cx="6858000" cy="9144000"/>
@@ -157,10 +167,10 @@
   </p:defaultTextStyle>
   <p:extLst>
     <p:ext uri="{EFAFB233-063F-42B5-8137-9DF3F51BA10A}">
-      <p15:sldGuideLst xmlns:p15="http://schemas.microsoft.com/office/powerpoint/2012/main" xmlns=""/>
+      <p15:sldGuideLst xmlns="" xmlns:p15="http://schemas.microsoft.com/office/powerpoint/2012/main"/>
     </p:ext>
     <p:ext uri="{2D200454-40CA-4A62-9FC3-DE9A4176ACB9}">
-      <p15:notesGuideLst xmlns:p15="http://schemas.microsoft.com/office/powerpoint/2012/main" xmlns=""/>
+      <p15:notesGuideLst xmlns="" xmlns:p15="http://schemas.microsoft.com/office/powerpoint/2012/main"/>
     </p:ext>
   </p:extLst>
 </p:presentation>
@@ -248,7 +258,7 @@
           <a:p>
             <a:fld id="{A0AD0659-C212-44A8-B399-2F2D474FB632}" type="datetimeFigureOut">
               <a:rPr lang="it-IT" smtClean="0"/>
-              <a:t>30/08/16</a:t>
+              <a:t>03/09/16</a:t>
             </a:fld>
             <a:endParaRPr lang="it-IT"/>
           </a:p>
@@ -3279,10 +3289,6 @@
             <a:r>
               <a:rPr lang="it-IT" dirty="0" smtClean="0"/>
               <a:t> to</a:t>
-            </a:r>
-            <a:r>
-              <a:rPr lang="it-IT" dirty="0" smtClean="0"/>
-              <a:t/>
             </a:r>
             <a:br>
               <a:rPr lang="it-IT" dirty="0" smtClean="0"/>
@@ -12897,7 +12903,7 @@
       </p:grpSpPr>
       <p:sp>
         <p:nvSpPr>
-          <p:cNvPr id="6" name="Titolo 5"/>
+          <p:cNvPr id="5" name="Titolo 4"/>
           <p:cNvSpPr>
             <a:spLocks noGrp="1"/>
           </p:cNvSpPr>
@@ -12912,11 +12918,22 @@
           <a:p>
             <a:r>
               <a:rPr lang="it-IT" dirty="0" smtClean="0"/>
-              <a:t>Cache &amp; </a:t>
-            </a:r>
-            <a:r>
-              <a:rPr lang="it-IT" dirty="0" err="1" smtClean="0"/>
-              <a:t>Dependencies</a:t>
+              <a:t/>
+            </a:r>
+            <a:br>
+              <a:rPr lang="it-IT" dirty="0" smtClean="0"/>
+            </a:br>
+            <a:r>
+              <a:rPr lang="it-IT" dirty="0" smtClean="0"/>
+              <a:t>ABC of </a:t>
+            </a:r>
+            <a:r>
+              <a:rPr lang="it-IT" dirty="0" err="1" smtClean="0"/>
+              <a:t>Element</a:t>
+            </a:r>
+            <a:r>
+              <a:rPr lang="it-IT" dirty="0" smtClean="0"/>
+              <a:t> Development</a:t>
             </a:r>
             <a:endParaRPr lang="it-IT" dirty="0"/>
           </a:p>
@@ -12924,7 +12941,7 @@
       </p:sp>
       <p:sp>
         <p:nvSpPr>
-          <p:cNvPr id="7" name="Segnaposto testo 6"/>
+          <p:cNvPr id="6" name="Segnaposto testo 5"/>
           <p:cNvSpPr>
             <a:spLocks noGrp="1"/>
           </p:cNvSpPr>
@@ -12938,32 +12955,28 @@
           <a:lstStyle/>
           <a:p>
             <a:r>
-              <a:rPr lang="it-IT" dirty="0" err="1" smtClean="0"/>
-              <a:t>Speed</a:t>
-            </a:r>
-            <a:r>
-              <a:rPr lang="it-IT" dirty="0" smtClean="0"/>
-              <a:t> up </a:t>
-            </a:r>
-            <a:r>
-              <a:rPr lang="it-IT" dirty="0" err="1" smtClean="0"/>
-              <a:t>your</a:t>
-            </a:r>
-            <a:r>
-              <a:rPr lang="it-IT" dirty="0" smtClean="0"/>
-              <a:t> </a:t>
-            </a:r>
-            <a:r>
-              <a:rPr lang="it-IT" dirty="0" err="1" smtClean="0"/>
-              <a:t>WebCenter</a:t>
-            </a:r>
-            <a:r>
-              <a:rPr lang="it-IT" dirty="0" smtClean="0"/>
-              <a:t> </a:t>
-            </a:r>
-            <a:r>
-              <a:rPr lang="it-IT" dirty="0" err="1" smtClean="0"/>
-              <a:t>SIte</a:t>
+              <a:rPr lang="it-IT" dirty="0" smtClean="0"/>
+              <a:t>Time to start </a:t>
+            </a:r>
+            <a:r>
+              <a:rPr lang="it-IT" dirty="0" err="1" smtClean="0"/>
+              <a:t>getting</a:t>
+            </a:r>
+            <a:r>
+              <a:rPr lang="it-IT" dirty="0" smtClean="0"/>
+              <a:t> </a:t>
+            </a:r>
+            <a:r>
+              <a:rPr lang="it-IT" dirty="0" err="1" smtClean="0"/>
+              <a:t>hands</a:t>
+            </a:r>
+            <a:r>
+              <a:rPr lang="it-IT" dirty="0" smtClean="0"/>
+              <a:t> </a:t>
+            </a:r>
+            <a:r>
+              <a:rPr lang="it-IT" dirty="0" err="1" smtClean="0"/>
+              <a:t>dirty</a:t>
             </a:r>
             <a:endParaRPr lang="it-IT" dirty="0"/>
           </a:p>
@@ -12971,7 +12984,7 @@
       </p:sp>
       <p:sp>
         <p:nvSpPr>
-          <p:cNvPr id="5" name="Segnaposto numero diapositiva 4"/>
+          <p:cNvPr id="4" name="Segnaposto numero diapositiva 3"/>
           <p:cNvSpPr>
             <a:spLocks noGrp="1"/>
           </p:cNvSpPr>
@@ -12996,7 +13009,7 @@
     </p:spTree>
     <p:extLst>
       <p:ext uri="{BB962C8B-B14F-4D97-AF65-F5344CB8AC3E}">
-        <p14:creationId xmlns:p14="http://schemas.microsoft.com/office/powerpoint/2010/main" val="2736934635"/>
+        <p14:creationId xmlns:p14="http://schemas.microsoft.com/office/powerpoint/2010/main" val="152265258"/>
       </p:ext>
     </p:extLst>
   </p:cSld>
@@ -13032,98 +13045,402 @@
       </p:grpSpPr>
       <p:sp>
         <p:nvSpPr>
-          <p:cNvPr id="12" name="Rettangolo 11"/>
-          <p:cNvSpPr/>
-          <p:nvPr/>
+          <p:cNvPr id="2" name="Titolo 1"/>
+          <p:cNvSpPr>
+            <a:spLocks noGrp="1"/>
+          </p:cNvSpPr>
+          <p:nvPr>
+            <p:ph type="title"/>
+          </p:nvPr>
+        </p:nvSpPr>
+        <p:spPr/>
+        <p:txBody>
+          <a:bodyPr/>
+          <a:lstStyle/>
+          <a:p>
+            <a:r>
+              <a:rPr lang="it-IT" dirty="0" err="1" smtClean="0"/>
+              <a:t>Sites</a:t>
+            </a:r>
+            <a:r>
+              <a:rPr lang="it-IT" dirty="0" smtClean="0"/>
+              <a:t> </a:t>
+            </a:r>
+            <a:r>
+              <a:rPr lang="it-IT" dirty="0" err="1" smtClean="0"/>
+              <a:t>Elements</a:t>
+            </a:r>
+            <a:endParaRPr lang="it-IT" dirty="0"/>
+          </a:p>
+        </p:txBody>
+      </p:sp>
+      <p:sp>
+        <p:nvSpPr>
+          <p:cNvPr id="3" name="Segnaposto contenuto 2"/>
+          <p:cNvSpPr>
+            <a:spLocks noGrp="1"/>
+          </p:cNvSpPr>
+          <p:nvPr>
+            <p:ph idx="1"/>
+          </p:nvPr>
         </p:nvSpPr>
         <p:spPr>
           <a:xfrm>
-            <a:off x="246743" y="2438400"/>
-            <a:ext cx="8661587" cy="4151086"/>
-          </a:xfrm>
-          <a:prstGeom prst="rect">
-            <a:avLst/>
-          </a:prstGeom>
-        </p:spPr>
-        <p:style>
-          <a:lnRef idx="2">
-            <a:schemeClr val="dk1"/>
-          </a:lnRef>
-          <a:fillRef idx="1">
-            <a:schemeClr val="lt1"/>
-          </a:fillRef>
-          <a:effectRef idx="0">
-            <a:schemeClr val="dk1"/>
-          </a:effectRef>
-          <a:fontRef idx="minor">
-            <a:schemeClr val="dk1"/>
-          </a:fontRef>
-        </p:style>
-        <p:txBody>
-          <a:bodyPr rtlCol="0" anchor="ctr"/>
-          <a:lstStyle/>
-          <a:p>
-            <a:pPr algn="ctr"/>
-            <a:endParaRPr lang="it-IT"/>
-          </a:p>
-        </p:txBody>
-      </p:sp>
-      <p:sp>
-        <p:nvSpPr>
-          <p:cNvPr id="6" name="Titolo 5"/>
-          <p:cNvSpPr>
-            <a:spLocks noGrp="1"/>
-          </p:cNvSpPr>
-          <p:nvPr>
-            <p:ph type="title"/>
-          </p:nvPr>
-        </p:nvSpPr>
-        <p:spPr/>
-        <p:txBody>
-          <a:bodyPr/>
-          <a:lstStyle/>
-          <a:p>
-            <a:r>
-              <a:rPr lang="it-IT" dirty="0" smtClean="0"/>
-              <a:t>Multiple cache in </a:t>
+            <a:off x="614136" y="2554663"/>
+            <a:ext cx="7886700" cy="4072379"/>
+          </a:xfrm>
+        </p:spPr>
+        <p:txBody>
+          <a:bodyPr>
+            <a:normAutofit fontScale="92500" lnSpcReduction="10000"/>
+          </a:bodyPr>
+          <a:lstStyle/>
+          <a:p>
+            <a:r>
+              <a:rPr lang="it-IT" dirty="0" err="1" smtClean="0"/>
+              <a:t>You</a:t>
+            </a:r>
+            <a:r>
+              <a:rPr lang="it-IT" dirty="0" smtClean="0"/>
+              <a:t> do </a:t>
+            </a:r>
+            <a:r>
+              <a:rPr lang="it-IT" dirty="0" err="1" smtClean="0"/>
+              <a:t>development</a:t>
+            </a:r>
+            <a:r>
+              <a:rPr lang="it-IT" dirty="0" smtClean="0"/>
+              <a:t> in </a:t>
             </a:r>
             <a:r>
               <a:rPr lang="it-IT" dirty="0" err="1" smtClean="0"/>
               <a:t>Sites</a:t>
             </a:r>
+            <a:r>
+              <a:rPr lang="it-IT" dirty="0" smtClean="0"/>
+              <a:t> </a:t>
+            </a:r>
+            <a:r>
+              <a:rPr lang="it-IT" dirty="0"/>
+              <a:t/>
+            </a:r>
+            <a:br>
+              <a:rPr lang="it-IT" dirty="0"/>
+            </a:br>
+            <a:r>
+              <a:rPr lang="it-IT" dirty="0" err="1" smtClean="0"/>
+              <a:t>using</a:t>
+            </a:r>
+            <a:r>
+              <a:rPr lang="it-IT" dirty="0" smtClean="0"/>
+              <a:t> Java Server </a:t>
+            </a:r>
+            <a:r>
+              <a:rPr lang="it-IT" dirty="0" err="1" smtClean="0"/>
+              <a:t>Pages</a:t>
+            </a:r>
+            <a:r>
+              <a:rPr lang="it-IT" dirty="0" smtClean="0"/>
+              <a:t> or </a:t>
+            </a:r>
+            <a:r>
+              <a:rPr lang="it-IT" dirty="0" err="1" smtClean="0"/>
+              <a:t>Groovy</a:t>
+            </a:r>
             <a:endParaRPr lang="it-IT" dirty="0"/>
           </a:p>
-        </p:txBody>
-      </p:sp>
-      <p:pic>
-        <p:nvPicPr>
-          <p:cNvPr id="11" name="Segnaposto contenuto 10"/>
-          <p:cNvPicPr>
-            <a:picLocks noGrp="1" noChangeAspect="1"/>
-          </p:cNvPicPr>
-          <p:nvPr>
-            <p:ph idx="1"/>
-          </p:nvPr>
-        </p:nvPicPr>
-        <p:blipFill>
-          <a:blip r:embed="rId2"/>
-          <a:stretch>
-            <a:fillRect/>
-          </a:stretch>
-        </p:blipFill>
-        <p:spPr>
-          <a:xfrm>
-            <a:off x="628650" y="3048732"/>
-            <a:ext cx="7886700" cy="3150681"/>
-          </a:xfrm>
-          <a:prstGeom prst="rect">
-            <a:avLst/>
-          </a:prstGeom>
-        </p:spPr>
-      </p:pic>
-      <p:sp>
-        <p:nvSpPr>
-          <p:cNvPr id="5" name="Segnaposto numero diapositiva 4"/>
+          <a:p>
+            <a:r>
+              <a:rPr lang="it-IT" dirty="0" err="1" smtClean="0"/>
+              <a:t>JavaServer</a:t>
+            </a:r>
+            <a:r>
+              <a:rPr lang="it-IT" dirty="0" smtClean="0"/>
+              <a:t> </a:t>
+            </a:r>
+            <a:r>
+              <a:rPr lang="it-IT" dirty="0" err="1" smtClean="0"/>
+              <a:t>Pages</a:t>
+            </a:r>
+            <a:endParaRPr lang="it-IT" dirty="0" smtClean="0"/>
+          </a:p>
+          <a:p>
+            <a:pPr lvl="1"/>
+            <a:r>
+              <a:rPr lang="it-IT" dirty="0" err="1" smtClean="0"/>
+              <a:t>Sites</a:t>
+            </a:r>
+            <a:r>
+              <a:rPr lang="it-IT" dirty="0" smtClean="0"/>
+              <a:t> </a:t>
+            </a:r>
+            <a:r>
+              <a:rPr lang="it-IT" dirty="0" err="1" smtClean="0"/>
+              <a:t>has</a:t>
+            </a:r>
+            <a:r>
+              <a:rPr lang="it-IT" dirty="0" smtClean="0"/>
+              <a:t> a </a:t>
+            </a:r>
+            <a:r>
+              <a:rPr lang="it-IT" dirty="0" err="1" smtClean="0"/>
+              <a:t>proprietary</a:t>
+            </a:r>
+            <a:r>
+              <a:rPr lang="it-IT" dirty="0" smtClean="0"/>
+              <a:t> </a:t>
+            </a:r>
+            <a:r>
+              <a:rPr lang="it-IT" dirty="0" err="1" smtClean="0"/>
+              <a:t>tag</a:t>
+            </a:r>
+            <a:r>
+              <a:rPr lang="it-IT" dirty="0" smtClean="0"/>
+              <a:t> </a:t>
+            </a:r>
+            <a:r>
+              <a:rPr lang="it-IT" dirty="0" err="1" smtClean="0"/>
+              <a:t>library</a:t>
+            </a:r>
+            <a:endParaRPr lang="it-IT" dirty="0" smtClean="0"/>
+          </a:p>
+          <a:p>
+            <a:pPr lvl="1"/>
+            <a:r>
+              <a:rPr lang="it-IT" dirty="0" smtClean="0"/>
+              <a:t>Output </a:t>
+            </a:r>
+            <a:r>
+              <a:rPr lang="it-IT" dirty="0" err="1" smtClean="0"/>
+              <a:t>is</a:t>
+            </a:r>
+            <a:r>
+              <a:rPr lang="it-IT" dirty="0" smtClean="0"/>
+              <a:t> </a:t>
+            </a:r>
+            <a:r>
+              <a:rPr lang="it-IT" u="sng" dirty="0" err="1" smtClean="0"/>
+              <a:t>Buffered</a:t>
+            </a:r>
+            <a:r>
+              <a:rPr lang="it-IT" dirty="0" smtClean="0"/>
+              <a:t> </a:t>
+            </a:r>
+          </a:p>
+          <a:p>
+            <a:pPr lvl="1"/>
+            <a:r>
+              <a:rPr lang="it-IT" dirty="0" smtClean="0"/>
+              <a:t>Output </a:t>
+            </a:r>
+            <a:r>
+              <a:rPr lang="it-IT" dirty="0" err="1" smtClean="0"/>
+              <a:t>is</a:t>
+            </a:r>
+            <a:r>
+              <a:rPr lang="it-IT" dirty="0" smtClean="0"/>
+              <a:t> the </a:t>
+            </a:r>
+            <a:r>
+              <a:rPr lang="it-IT" u="sng" dirty="0" err="1" smtClean="0"/>
+              <a:t>Cached</a:t>
+            </a:r>
+            <a:endParaRPr lang="it-IT" u="sng" dirty="0" smtClean="0"/>
+          </a:p>
+          <a:p>
+            <a:r>
+              <a:rPr lang="it-IT" dirty="0" err="1" smtClean="0"/>
+              <a:t>Groovy</a:t>
+            </a:r>
+            <a:r>
+              <a:rPr lang="it-IT" dirty="0" smtClean="0"/>
+              <a:t> (+</a:t>
+            </a:r>
+            <a:r>
+              <a:rPr lang="it-IT" dirty="0" err="1" smtClean="0"/>
+              <a:t>AgileSites</a:t>
+            </a:r>
+            <a:r>
+              <a:rPr lang="it-IT" dirty="0" smtClean="0"/>
+              <a:t>)</a:t>
+            </a:r>
+            <a:endParaRPr lang="it-IT" dirty="0"/>
+          </a:p>
+          <a:p>
+            <a:pPr lvl="1"/>
+            <a:r>
+              <a:rPr lang="it-IT" dirty="0" err="1" smtClean="0"/>
+              <a:t>Groovy</a:t>
+            </a:r>
+            <a:r>
+              <a:rPr lang="it-IT" dirty="0" smtClean="0"/>
+              <a:t> </a:t>
+            </a:r>
+            <a:r>
+              <a:rPr lang="it-IT" dirty="0" err="1" smtClean="0"/>
+              <a:t>is</a:t>
+            </a:r>
+            <a:r>
+              <a:rPr lang="it-IT" dirty="0" smtClean="0"/>
+              <a:t> 99% </a:t>
+            </a:r>
+            <a:r>
+              <a:rPr lang="it-IT" dirty="0" err="1" smtClean="0"/>
+              <a:t>like</a:t>
+            </a:r>
+            <a:r>
+              <a:rPr lang="it-IT" dirty="0" smtClean="0"/>
+              <a:t> Java (</a:t>
+            </a:r>
+            <a:r>
+              <a:rPr lang="it-IT" dirty="0" err="1" smtClean="0"/>
+              <a:t>except</a:t>
+            </a:r>
+            <a:r>
+              <a:rPr lang="it-IT" dirty="0" smtClean="0"/>
+              <a:t> </a:t>
+            </a:r>
+            <a:r>
+              <a:rPr lang="it-IT" dirty="0" err="1" smtClean="0"/>
+              <a:t>it</a:t>
+            </a:r>
+            <a:r>
+              <a:rPr lang="it-IT" dirty="0" smtClean="0"/>
+              <a:t> </a:t>
+            </a:r>
+            <a:r>
+              <a:rPr lang="it-IT" dirty="0" err="1" smtClean="0"/>
+              <a:t>is</a:t>
+            </a:r>
+            <a:r>
+              <a:rPr lang="it-IT" dirty="0" smtClean="0"/>
+              <a:t> </a:t>
+            </a:r>
+            <a:r>
+              <a:rPr lang="it-IT" dirty="0" err="1" smtClean="0"/>
+              <a:t>slower</a:t>
+            </a:r>
+            <a:r>
+              <a:rPr lang="it-IT" dirty="0" smtClean="0"/>
+              <a:t>)</a:t>
+            </a:r>
+          </a:p>
+          <a:p>
+            <a:pPr lvl="2"/>
+            <a:r>
+              <a:rPr lang="it-IT" dirty="0" err="1" smtClean="0"/>
+              <a:t>It</a:t>
+            </a:r>
+            <a:r>
+              <a:rPr lang="it-IT" dirty="0" smtClean="0"/>
+              <a:t> </a:t>
+            </a:r>
+            <a:r>
+              <a:rPr lang="it-IT" dirty="0" err="1" smtClean="0"/>
+              <a:t>does</a:t>
+            </a:r>
+            <a:r>
+              <a:rPr lang="it-IT" dirty="0" smtClean="0"/>
+              <a:t> </a:t>
+            </a:r>
+            <a:r>
+              <a:rPr lang="it-IT" dirty="0" err="1" smtClean="0"/>
+              <a:t>not</a:t>
+            </a:r>
+            <a:r>
+              <a:rPr lang="it-IT" dirty="0" smtClean="0"/>
+              <a:t> </a:t>
+            </a:r>
+            <a:r>
+              <a:rPr lang="it-IT" dirty="0" err="1" smtClean="0"/>
+              <a:t>matter</a:t>
+            </a:r>
+            <a:r>
+              <a:rPr lang="it-IT" dirty="0" smtClean="0"/>
+              <a:t> </a:t>
+            </a:r>
+            <a:r>
+              <a:rPr lang="it-IT" dirty="0" err="1" smtClean="0"/>
+              <a:t>because</a:t>
+            </a:r>
+            <a:r>
+              <a:rPr lang="it-IT" dirty="0" smtClean="0"/>
+              <a:t> in </a:t>
+            </a:r>
+            <a:r>
+              <a:rPr lang="it-IT" dirty="0" err="1" smtClean="0"/>
+              <a:t>Sites</a:t>
+            </a:r>
+            <a:r>
+              <a:rPr lang="it-IT" dirty="0" smtClean="0"/>
+              <a:t> </a:t>
+            </a:r>
+            <a:r>
+              <a:rPr lang="it-IT" dirty="0" err="1" smtClean="0"/>
+              <a:t>everything</a:t>
+            </a:r>
+            <a:r>
+              <a:rPr lang="it-IT" dirty="0" smtClean="0"/>
+              <a:t> </a:t>
+            </a:r>
+            <a:r>
+              <a:rPr lang="it-IT" dirty="0" err="1" smtClean="0"/>
+              <a:t>should</a:t>
+            </a:r>
+            <a:r>
+              <a:rPr lang="it-IT" dirty="0" smtClean="0"/>
+              <a:t> be </a:t>
+            </a:r>
+            <a:r>
+              <a:rPr lang="it-IT" dirty="0" err="1" smtClean="0"/>
+              <a:t>cached</a:t>
+            </a:r>
+            <a:endParaRPr lang="it-IT" dirty="0" smtClean="0"/>
+          </a:p>
+          <a:p>
+            <a:pPr lvl="1"/>
+            <a:r>
+              <a:rPr lang="it-IT" dirty="0"/>
+              <a:t>http://</a:t>
+            </a:r>
+            <a:r>
+              <a:rPr lang="it-IT" dirty="0" smtClean="0"/>
+              <a:t>groovy.codehaus.org/Differences+from+Java</a:t>
+            </a:r>
+          </a:p>
+          <a:p>
+            <a:pPr lvl="1"/>
+            <a:r>
+              <a:rPr lang="it-IT" dirty="0" smtClean="0"/>
+              <a:t>Plus a </a:t>
+            </a:r>
+            <a:r>
+              <a:rPr lang="it-IT" dirty="0" err="1" smtClean="0"/>
+              <a:t>number</a:t>
+            </a:r>
+            <a:r>
+              <a:rPr lang="it-IT" dirty="0" smtClean="0"/>
+              <a:t> of </a:t>
+            </a:r>
+            <a:r>
+              <a:rPr lang="it-IT" dirty="0" err="1" smtClean="0"/>
+              <a:t>nice</a:t>
+            </a:r>
+            <a:r>
+              <a:rPr lang="it-IT" dirty="0" smtClean="0"/>
+              <a:t> </a:t>
+            </a:r>
+            <a:r>
+              <a:rPr lang="it-IT" dirty="0" err="1" smtClean="0"/>
+              <a:t>extensions</a:t>
+            </a:r>
+            <a:endParaRPr lang="it-IT" dirty="0" smtClean="0"/>
+          </a:p>
+        </p:txBody>
+      </p:sp>
+      <p:sp>
+        <p:nvSpPr>
+          <p:cNvPr id="4" name="Segnaposto numero diapositiva 3"/>
           <p:cNvSpPr>
             <a:spLocks noGrp="1"/>
           </p:cNvSpPr>
@@ -13148,7 +13465,7 @@
     </p:spTree>
     <p:extLst>
       <p:ext uri="{BB962C8B-B14F-4D97-AF65-F5344CB8AC3E}">
-        <p14:creationId xmlns:p14="http://schemas.microsoft.com/office/powerpoint/2010/main" val="890001382"/>
+        <p14:creationId xmlns:p14="http://schemas.microsoft.com/office/powerpoint/2010/main" val="1950335783"/>
       </p:ext>
     </p:extLst>
   </p:cSld>
@@ -13184,7 +13501,7 @@
       </p:grpSpPr>
       <p:sp>
         <p:nvSpPr>
-          <p:cNvPr id="10" name="Titolo 9"/>
+          <p:cNvPr id="2" name="Titolo 1"/>
           <p:cNvSpPr>
             <a:spLocks noGrp="1"/>
           </p:cNvSpPr>
@@ -13192,84 +13509,326 @@
             <p:ph type="title"/>
           </p:nvPr>
         </p:nvSpPr>
-        <p:spPr>
-          <a:xfrm>
-            <a:off x="406400" y="961975"/>
-            <a:ext cx="8325766" cy="1325563"/>
-          </a:xfrm>
-        </p:spPr>
+        <p:spPr/>
         <p:txBody>
           <a:bodyPr/>
           <a:lstStyle/>
           <a:p>
             <a:r>
               <a:rPr lang="it-IT" dirty="0" smtClean="0"/>
-              <a:t>Satellite Page(</a:t>
-            </a:r>
-            <a:r>
-              <a:rPr lang="it-IT" dirty="0" err="1" smtClean="0"/>
-              <a:t>let</a:t>
-            </a:r>
-            <a:r>
-              <a:rPr lang="it-IT" dirty="0" smtClean="0"/>
-              <a:t>) and blob Cache</a:t>
+              <a:t>Templates &amp; </a:t>
+            </a:r>
+            <a:r>
+              <a:rPr lang="it-IT" dirty="0" err="1" smtClean="0"/>
+              <a:t>CSElement</a:t>
             </a:r>
             <a:endParaRPr lang="it-IT" dirty="0"/>
           </a:p>
         </p:txBody>
       </p:sp>
-      <p:pic>
-        <p:nvPicPr>
-          <p:cNvPr id="13" name="Segnaposto contenuto 12"/>
-          <p:cNvPicPr>
-            <a:picLocks noGrp="1" noChangeAspect="1"/>
-          </p:cNvPicPr>
+      <p:sp>
+        <p:nvSpPr>
+          <p:cNvPr id="3" name="Segnaposto contenuto 2"/>
+          <p:cNvSpPr>
+            <a:spLocks noGrp="1"/>
+          </p:cNvSpPr>
           <p:nvPr>
             <p:ph sz="half" idx="1"/>
           </p:nvPr>
-        </p:nvPicPr>
-        <p:blipFill>
-          <a:blip r:embed="rId2"/>
-          <a:stretch>
-            <a:fillRect/>
-          </a:stretch>
-        </p:blipFill>
-        <p:spPr>
-          <a:xfrm>
-            <a:off x="168048" y="2525711"/>
-            <a:ext cx="3152775" cy="3914775"/>
-          </a:xfrm>
-          <a:prstGeom prst="rect">
-            <a:avLst/>
-          </a:prstGeom>
-        </p:spPr>
-      </p:pic>
-      <p:pic>
-        <p:nvPicPr>
-          <p:cNvPr id="14" name="Segnaposto contenuto 13"/>
-          <p:cNvPicPr>
-            <a:picLocks noGrp="1" noChangeAspect="1"/>
-          </p:cNvPicPr>
+        </p:nvSpPr>
+        <p:spPr/>
+        <p:txBody>
+          <a:bodyPr/>
+          <a:lstStyle/>
+          <a:p>
+            <a:r>
+              <a:rPr lang="it-IT" dirty="0" err="1" smtClean="0"/>
+              <a:t>It</a:t>
+            </a:r>
+            <a:r>
+              <a:rPr lang="it-IT" dirty="0" smtClean="0"/>
+              <a:t> </a:t>
+            </a:r>
+            <a:r>
+              <a:rPr lang="it-IT" dirty="0" err="1" smtClean="0"/>
+              <a:t>is</a:t>
+            </a:r>
+            <a:r>
+              <a:rPr lang="it-IT" dirty="0" smtClean="0"/>
+              <a:t> an </a:t>
+            </a:r>
+            <a:r>
+              <a:rPr lang="it-IT" dirty="0" err="1" smtClean="0"/>
+              <a:t>Asset</a:t>
+            </a:r>
+            <a:r>
+              <a:rPr lang="it-IT" dirty="0" smtClean="0"/>
+              <a:t> holding an </a:t>
+            </a:r>
+            <a:r>
+              <a:rPr lang="it-IT" dirty="0" err="1" smtClean="0"/>
+              <a:t>Element</a:t>
+            </a:r>
+            <a:endParaRPr lang="it-IT" dirty="0" smtClean="0"/>
+          </a:p>
+          <a:p>
+            <a:pPr marL="685800" lvl="2">
+              <a:spcBef>
+                <a:spcPts val="1000"/>
+              </a:spcBef>
+            </a:pPr>
+            <a:r>
+              <a:rPr lang="it-IT" dirty="0" err="1" smtClean="0"/>
+              <a:t>It</a:t>
+            </a:r>
+            <a:r>
+              <a:rPr lang="it-IT" dirty="0" smtClean="0"/>
+              <a:t> </a:t>
+            </a:r>
+            <a:r>
+              <a:rPr lang="it-IT" dirty="0" err="1" smtClean="0"/>
+              <a:t>is</a:t>
+            </a:r>
+            <a:r>
+              <a:rPr lang="it-IT" dirty="0" smtClean="0"/>
+              <a:t> </a:t>
+            </a:r>
+            <a:r>
+              <a:rPr lang="it-IT" dirty="0" err="1" smtClean="0"/>
+              <a:t>Publishable</a:t>
+            </a:r>
+            <a:endParaRPr lang="it-IT" dirty="0" smtClean="0"/>
+          </a:p>
+          <a:p>
+            <a:pPr lvl="1"/>
+            <a:r>
+              <a:rPr lang="it-IT" dirty="0" err="1" smtClean="0"/>
+              <a:t>It</a:t>
+            </a:r>
+            <a:r>
+              <a:rPr lang="it-IT" dirty="0" smtClean="0"/>
+              <a:t> </a:t>
+            </a:r>
+            <a:r>
+              <a:rPr lang="it-IT" dirty="0" err="1" smtClean="0"/>
+              <a:t>contains</a:t>
+            </a:r>
+            <a:r>
+              <a:rPr lang="it-IT" dirty="0" smtClean="0"/>
+              <a:t> meta </a:t>
+            </a:r>
+            <a:r>
+              <a:rPr lang="it-IT" u="sng" dirty="0" smtClean="0"/>
+              <a:t>data</a:t>
+            </a:r>
+          </a:p>
+          <a:p>
+            <a:pPr lvl="1"/>
+            <a:r>
+              <a:rPr lang="it-IT" dirty="0" err="1" smtClean="0"/>
+              <a:t>It</a:t>
+            </a:r>
+            <a:r>
+              <a:rPr lang="it-IT" dirty="0" smtClean="0"/>
+              <a:t> </a:t>
+            </a:r>
+            <a:r>
+              <a:rPr lang="it-IT" dirty="0" err="1" smtClean="0"/>
+              <a:t>is</a:t>
+            </a:r>
+            <a:r>
+              <a:rPr lang="it-IT" dirty="0" smtClean="0"/>
+              <a:t> UNCACHED</a:t>
+            </a:r>
+          </a:p>
+          <a:p>
+            <a:r>
+              <a:rPr lang="it-IT" dirty="0" smtClean="0"/>
+              <a:t>Use for </a:t>
+            </a:r>
+            <a:r>
+              <a:rPr lang="it-IT" dirty="0" err="1" smtClean="0"/>
+              <a:t>rendering</a:t>
+            </a:r>
+            <a:r>
+              <a:rPr lang="it-IT" dirty="0" smtClean="0"/>
+              <a:t> </a:t>
+            </a:r>
+            <a:r>
+              <a:rPr lang="it-IT" dirty="0" err="1" smtClean="0"/>
+              <a:t>logic</a:t>
+            </a:r>
+            <a:r>
+              <a:rPr lang="it-IT" dirty="0" smtClean="0"/>
+              <a:t> </a:t>
+            </a:r>
+            <a:r>
+              <a:rPr lang="it-IT" dirty="0" err="1" smtClean="0"/>
+              <a:t>that</a:t>
+            </a:r>
+            <a:r>
+              <a:rPr lang="it-IT" dirty="0" smtClean="0"/>
+              <a:t> </a:t>
+            </a:r>
+            <a:r>
+              <a:rPr lang="it-IT" dirty="0" err="1" smtClean="0"/>
+              <a:t>embed</a:t>
+            </a:r>
+            <a:r>
+              <a:rPr lang="it-IT" dirty="0" smtClean="0"/>
+              <a:t> html in the </a:t>
+            </a:r>
+            <a:r>
+              <a:rPr lang="it-IT" dirty="0" err="1" smtClean="0"/>
+              <a:t>caller</a:t>
+            </a:r>
+            <a:endParaRPr lang="it-IT" dirty="0"/>
+          </a:p>
+        </p:txBody>
+      </p:sp>
+      <p:sp>
+        <p:nvSpPr>
+          <p:cNvPr id="5" name="Segnaposto contenuto 4"/>
+          <p:cNvSpPr>
+            <a:spLocks noGrp="1"/>
+          </p:cNvSpPr>
           <p:nvPr>
             <p:ph sz="half" idx="2"/>
           </p:nvPr>
-        </p:nvPicPr>
-        <p:blipFill>
-          <a:blip r:embed="rId3"/>
-          <a:stretch>
-            <a:fillRect/>
-          </a:stretch>
-        </p:blipFill>
-        <p:spPr>
-          <a:xfrm>
-            <a:off x="5293370" y="2426493"/>
-            <a:ext cx="3650094" cy="4113212"/>
-          </a:xfrm>
-          <a:prstGeom prst="rect">
-            <a:avLst/>
-          </a:prstGeom>
-        </p:spPr>
-      </p:pic>
+        </p:nvSpPr>
+        <p:spPr/>
+        <p:txBody>
+          <a:bodyPr/>
+          <a:lstStyle/>
+          <a:p>
+            <a:r>
+              <a:rPr lang="it-IT" dirty="0" smtClean="0"/>
+              <a:t>In </a:t>
+            </a:r>
+            <a:r>
+              <a:rPr lang="it-IT" dirty="0" err="1" smtClean="0"/>
+              <a:t>is</a:t>
+            </a:r>
+            <a:r>
+              <a:rPr lang="it-IT" dirty="0" smtClean="0"/>
+              <a:t> an </a:t>
+            </a:r>
+            <a:r>
+              <a:rPr lang="it-IT" dirty="0" err="1" smtClean="0"/>
+              <a:t>Asset</a:t>
+            </a:r>
+            <a:r>
+              <a:rPr lang="it-IT" dirty="0" smtClean="0"/>
+              <a:t> holding an </a:t>
+            </a:r>
+            <a:r>
+              <a:rPr lang="it-IT" dirty="0" err="1" smtClean="0"/>
+              <a:t>Element</a:t>
+            </a:r>
+            <a:r>
+              <a:rPr lang="it-IT" dirty="0" smtClean="0"/>
+              <a:t> </a:t>
+            </a:r>
+          </a:p>
+          <a:p>
+            <a:pPr lvl="1"/>
+            <a:r>
+              <a:rPr lang="it-IT" dirty="0" err="1" smtClean="0"/>
+              <a:t>It</a:t>
+            </a:r>
+            <a:r>
+              <a:rPr lang="it-IT" dirty="0" smtClean="0"/>
+              <a:t> </a:t>
+            </a:r>
+            <a:r>
+              <a:rPr lang="it-IT" dirty="0" err="1" smtClean="0"/>
+              <a:t>is</a:t>
+            </a:r>
+            <a:r>
+              <a:rPr lang="it-IT" dirty="0" smtClean="0"/>
+              <a:t> </a:t>
+            </a:r>
+            <a:r>
+              <a:rPr lang="it-IT" dirty="0" err="1" smtClean="0"/>
+              <a:t>Publishable</a:t>
+            </a:r>
+            <a:endParaRPr lang="it-IT" dirty="0" smtClean="0"/>
+          </a:p>
+          <a:p>
+            <a:pPr lvl="1"/>
+            <a:r>
+              <a:rPr lang="it-IT" dirty="0" err="1" smtClean="0"/>
+              <a:t>It</a:t>
+            </a:r>
+            <a:r>
+              <a:rPr lang="it-IT" dirty="0" smtClean="0"/>
+              <a:t> </a:t>
+            </a:r>
+            <a:r>
+              <a:rPr lang="it-IT" dirty="0" err="1" smtClean="0"/>
+              <a:t>contains</a:t>
+            </a:r>
+            <a:r>
+              <a:rPr lang="it-IT" dirty="0" smtClean="0"/>
+              <a:t> meta data</a:t>
+            </a:r>
+          </a:p>
+          <a:p>
+            <a:pPr lvl="1"/>
+            <a:r>
+              <a:rPr lang="it-IT" dirty="0" err="1" smtClean="0"/>
+              <a:t>It</a:t>
+            </a:r>
+            <a:r>
+              <a:rPr lang="it-IT" dirty="0" smtClean="0"/>
+              <a:t> </a:t>
+            </a:r>
+            <a:r>
+              <a:rPr lang="it-IT" dirty="0" err="1" smtClean="0"/>
+              <a:t>is</a:t>
+            </a:r>
+            <a:r>
+              <a:rPr lang="it-IT" dirty="0" smtClean="0"/>
+              <a:t> CACHED</a:t>
+            </a:r>
+          </a:p>
+          <a:p>
+            <a:r>
+              <a:rPr lang="it-IT" dirty="0" smtClean="0"/>
+              <a:t>Use for </a:t>
+            </a:r>
+            <a:r>
+              <a:rPr lang="it-IT" dirty="0" err="1" smtClean="0"/>
+              <a:t>rendering</a:t>
+            </a:r>
+            <a:r>
+              <a:rPr lang="it-IT" dirty="0" smtClean="0"/>
+              <a:t> </a:t>
+            </a:r>
+            <a:r>
+              <a:rPr lang="it-IT" dirty="0" err="1" smtClean="0"/>
+              <a:t>logic</a:t>
+            </a:r>
+            <a:r>
+              <a:rPr lang="it-IT" dirty="0" smtClean="0"/>
+              <a:t> </a:t>
+            </a:r>
+            <a:r>
+              <a:rPr lang="it-IT" dirty="0" err="1" smtClean="0"/>
+              <a:t>that</a:t>
+            </a:r>
+            <a:r>
+              <a:rPr lang="it-IT" dirty="0" smtClean="0"/>
+              <a:t> create separate </a:t>
+            </a:r>
+            <a:r>
+              <a:rPr lang="it-IT" dirty="0" err="1" smtClean="0"/>
+              <a:t>Pagelets</a:t>
+            </a:r>
+            <a:endParaRPr lang="it-IT" dirty="0"/>
+          </a:p>
+        </p:txBody>
+      </p:sp>
       <p:sp>
         <p:nvSpPr>
           <p:cNvPr id="4" name="Segnaposto numero diapositiva 3"/>
@@ -13294,34 +13853,10 @@
           </a:p>
         </p:txBody>
       </p:sp>
-      <p:pic>
-        <p:nvPicPr>
-          <p:cNvPr id="16" name="Immagine 15"/>
-          <p:cNvPicPr>
-            <a:picLocks noChangeAspect="1"/>
-          </p:cNvPicPr>
-          <p:nvPr/>
-        </p:nvPicPr>
-        <p:blipFill>
-          <a:blip r:embed="rId4"/>
-          <a:stretch>
-            <a:fillRect/>
-          </a:stretch>
-        </p:blipFill>
-        <p:spPr>
-          <a:xfrm>
-            <a:off x="3421271" y="2944810"/>
-            <a:ext cx="1771650" cy="3076575"/>
-          </a:xfrm>
-          <a:prstGeom prst="rect">
-            <a:avLst/>
-          </a:prstGeom>
-        </p:spPr>
-      </p:pic>
     </p:spTree>
     <p:extLst>
       <p:ext uri="{BB962C8B-B14F-4D97-AF65-F5344CB8AC3E}">
-        <p14:creationId xmlns:p14="http://schemas.microsoft.com/office/powerpoint/2010/main" val="971579406"/>
+        <p14:creationId xmlns:p14="http://schemas.microsoft.com/office/powerpoint/2010/main" val="685861298"/>
       </p:ext>
     </p:extLst>
   </p:cSld>
@@ -13367,24 +13902,22 @@
         </p:nvSpPr>
         <p:spPr/>
         <p:txBody>
-          <a:bodyPr/>
-          <a:lstStyle/>
-          <a:p>
-            <a:r>
-              <a:rPr lang="it-IT" dirty="0" err="1" smtClean="0"/>
-              <a:t>Sites</a:t>
-            </a:r>
-            <a:r>
-              <a:rPr lang="it-IT" dirty="0" smtClean="0"/>
-              <a:t> Page(</a:t>
-            </a:r>
-            <a:r>
-              <a:rPr lang="it-IT" dirty="0" err="1" smtClean="0"/>
-              <a:t>let</a:t>
-            </a:r>
-            <a:r>
-              <a:rPr lang="it-IT" dirty="0" smtClean="0"/>
-              <a:t>) cache</a:t>
+          <a:bodyPr>
+            <a:normAutofit/>
+          </a:bodyPr>
+          <a:lstStyle/>
+          <a:p>
+            <a:r>
+              <a:rPr lang="it-IT" dirty="0" smtClean="0"/>
+              <a:t>A </a:t>
+            </a:r>
+            <a:r>
+              <a:rPr lang="it-IT" dirty="0" err="1" smtClean="0"/>
+              <a:t>generic</a:t>
+            </a:r>
+            <a:r>
+              <a:rPr lang="it-IT" dirty="0" smtClean="0"/>
+              <a:t> JSP</a:t>
             </a:r>
             <a:endParaRPr lang="it-IT" dirty="0"/>
           </a:p>
@@ -13392,7 +13925,7 @@
       </p:sp>
       <p:pic>
         <p:nvPicPr>
-          <p:cNvPr id="6" name="Segnaposto contenuto 5"/>
+          <p:cNvPr id="11" name="Segnaposto contenuto 10"/>
           <p:cNvPicPr>
             <a:picLocks noGrp="1" noChangeAspect="1"/>
           </p:cNvPicPr>
@@ -13408,8 +13941,8 @@
         </p:blipFill>
         <p:spPr>
           <a:xfrm>
-            <a:off x="325665" y="2627179"/>
-            <a:ext cx="2895600" cy="3629025"/>
+            <a:off x="628650" y="3149600"/>
+            <a:ext cx="3886200" cy="2627086"/>
           </a:xfrm>
           <a:prstGeom prst="rect">
             <a:avLst/>
@@ -13418,7 +13951,7 @@
       </p:pic>
       <p:pic>
         <p:nvPicPr>
-          <p:cNvPr id="8" name="Segnaposto contenuto 7"/>
+          <p:cNvPr id="12" name="Segnaposto contenuto 11"/>
           <p:cNvPicPr>
             <a:picLocks noGrp="1" noChangeAspect="1"/>
           </p:cNvPicPr>
@@ -13434,8 +13967,8 @@
         </p:blipFill>
         <p:spPr>
           <a:xfrm>
-            <a:off x="5404037" y="3625697"/>
-            <a:ext cx="3328129" cy="1631985"/>
+            <a:off x="4846638" y="3149600"/>
+            <a:ext cx="3886200" cy="2627086"/>
           </a:xfrm>
           <a:prstGeom prst="rect">
             <a:avLst/>
@@ -13444,7 +13977,7 @@
       </p:pic>
       <p:sp>
         <p:nvSpPr>
-          <p:cNvPr id="5" name="Segnaposto numero diapositiva 4"/>
+          <p:cNvPr id="4" name="Segnaposto numero diapositiva 3"/>
           <p:cNvSpPr>
             <a:spLocks noGrp="1"/>
           </p:cNvSpPr>
@@ -13466,34 +13999,98 @@
           </a:p>
         </p:txBody>
       </p:sp>
-      <p:pic>
-        <p:nvPicPr>
-          <p:cNvPr id="7" name="Immagine 6"/>
-          <p:cNvPicPr>
-            <a:picLocks noChangeAspect="1"/>
-          </p:cNvPicPr>
+      <p:sp>
+        <p:nvSpPr>
+          <p:cNvPr id="13" name="CasellaDiTesto 12"/>
+          <p:cNvSpPr txBox="1"/>
           <p:nvPr/>
-        </p:nvPicPr>
-        <p:blipFill>
-          <a:blip r:embed="rId4"/>
-          <a:stretch>
-            <a:fillRect/>
-          </a:stretch>
-        </p:blipFill>
+        </p:nvSpPr>
         <p:spPr>
           <a:xfrm>
-            <a:off x="3395436" y="2893878"/>
-            <a:ext cx="1905000" cy="3095625"/>
+            <a:off x="1741714" y="2627179"/>
+            <a:ext cx="2068195" cy="369332"/>
           </a:xfrm>
           <a:prstGeom prst="rect">
             <a:avLst/>
           </a:prstGeom>
-        </p:spPr>
-      </p:pic>
+          <a:noFill/>
+        </p:spPr>
+        <p:txBody>
+          <a:bodyPr wrap="none" rtlCol="0">
+            <a:spAutoFit/>
+          </a:bodyPr>
+          <a:lstStyle/>
+          <a:p>
+            <a:r>
+              <a:rPr lang="it-IT" dirty="0" err="1" smtClean="0"/>
+              <a:t>Mandatory</a:t>
+            </a:r>
+            <a:r>
+              <a:rPr lang="it-IT" dirty="0" smtClean="0"/>
+              <a:t> </a:t>
+            </a:r>
+            <a:r>
+              <a:rPr lang="it-IT" dirty="0" err="1" smtClean="0"/>
+              <a:t>imports</a:t>
+            </a:r>
+            <a:endParaRPr lang="it-IT" dirty="0"/>
+          </a:p>
+        </p:txBody>
+      </p:sp>
+      <p:sp>
+        <p:nvSpPr>
+          <p:cNvPr id="14" name="CasellaDiTesto 13"/>
+          <p:cNvSpPr txBox="1"/>
+          <p:nvPr/>
+        </p:nvSpPr>
+        <p:spPr>
+          <a:xfrm>
+            <a:off x="5515429" y="2627179"/>
+            <a:ext cx="2856872" cy="369332"/>
+          </a:xfrm>
+          <a:prstGeom prst="rect">
+            <a:avLst/>
+          </a:prstGeom>
+          <a:noFill/>
+        </p:spPr>
+        <p:txBody>
+          <a:bodyPr wrap="none" rtlCol="0">
+            <a:spAutoFit/>
+          </a:bodyPr>
+          <a:lstStyle/>
+          <a:p>
+            <a:r>
+              <a:rPr lang="it-IT" dirty="0" err="1" smtClean="0"/>
+              <a:t>Where</a:t>
+            </a:r>
+            <a:r>
+              <a:rPr lang="it-IT" dirty="0" smtClean="0"/>
+              <a:t> </a:t>
+            </a:r>
+            <a:r>
+              <a:rPr lang="it-IT" dirty="0" err="1" smtClean="0"/>
+              <a:t>your</a:t>
+            </a:r>
+            <a:r>
+              <a:rPr lang="it-IT" dirty="0" smtClean="0"/>
+              <a:t> code </a:t>
+            </a:r>
+            <a:r>
+              <a:rPr lang="it-IT" dirty="0" err="1" smtClean="0"/>
+              <a:t>should</a:t>
+            </a:r>
+            <a:r>
+              <a:rPr lang="it-IT" dirty="0" smtClean="0"/>
+              <a:t> go</a:t>
+            </a:r>
+            <a:endParaRPr lang="it-IT" dirty="0"/>
+          </a:p>
+        </p:txBody>
+      </p:sp>
     </p:spTree>
     <p:extLst>
       <p:ext uri="{BB962C8B-B14F-4D97-AF65-F5344CB8AC3E}">
-        <p14:creationId xmlns:p14="http://schemas.microsoft.com/office/powerpoint/2010/main" val="90403158"/>
+        <p14:creationId xmlns:p14="http://schemas.microsoft.com/office/powerpoint/2010/main" val="1739366199"/>
       </p:ext>
     </p:extLst>
   </p:cSld>
@@ -13543,8 +14140,216 @@
           <a:lstStyle/>
           <a:p>
             <a:r>
-              <a:rPr lang="it-IT" dirty="0" err="1" smtClean="0"/>
-              <a:t>Asset</a:t>
+              <a:rPr lang="it-IT" dirty="0" smtClean="0"/>
+              <a:t>The </a:t>
+            </a:r>
+            <a:r>
+              <a:rPr lang="it-IT" dirty="0" err="1" smtClean="0"/>
+              <a:t>ubitiquous</a:t>
+            </a:r>
+            <a:r>
+              <a:rPr lang="it-IT" dirty="0" smtClean="0"/>
+              <a:t> ICS</a:t>
+            </a:r>
+            <a:endParaRPr lang="it-IT" dirty="0"/>
+          </a:p>
+        </p:txBody>
+      </p:sp>
+      <p:sp>
+        <p:nvSpPr>
+          <p:cNvPr id="3" name="Segnaposto contenuto 2"/>
+          <p:cNvSpPr>
+            <a:spLocks noGrp="1"/>
+          </p:cNvSpPr>
+          <p:nvPr>
+            <p:ph idx="1"/>
+          </p:nvPr>
+        </p:nvSpPr>
+        <p:spPr/>
+        <p:txBody>
+          <a:bodyPr>
+            <a:normAutofit lnSpcReduction="10000"/>
+          </a:bodyPr>
+          <a:lstStyle/>
+          <a:p>
+            <a:r>
+              <a:rPr lang="it-IT" dirty="0" smtClean="0"/>
+              <a:t>ICS </a:t>
+            </a:r>
+            <a:r>
+              <a:rPr lang="it-IT" dirty="0" err="1" smtClean="0"/>
+              <a:t>is</a:t>
+            </a:r>
+            <a:r>
+              <a:rPr lang="it-IT" dirty="0" smtClean="0"/>
+              <a:t> the Interface to Content Server</a:t>
+            </a:r>
+          </a:p>
+          <a:p>
+            <a:pPr lvl="1"/>
+            <a:r>
+              <a:rPr lang="it-IT" dirty="0" smtClean="0"/>
+              <a:t>A </a:t>
+            </a:r>
+            <a:r>
+              <a:rPr lang="it-IT" dirty="0" err="1" smtClean="0"/>
+              <a:t>facade</a:t>
+            </a:r>
+            <a:r>
+              <a:rPr lang="it-IT" dirty="0" smtClean="0"/>
+              <a:t> </a:t>
+            </a:r>
+            <a:r>
+              <a:rPr lang="it-IT" dirty="0" err="1" smtClean="0"/>
+              <a:t>used</a:t>
+            </a:r>
+            <a:r>
+              <a:rPr lang="it-IT" dirty="0" smtClean="0"/>
+              <a:t> for </a:t>
+            </a:r>
+            <a:r>
+              <a:rPr lang="it-IT" dirty="0" err="1" smtClean="0"/>
+              <a:t>almost</a:t>
+            </a:r>
+            <a:r>
+              <a:rPr lang="it-IT" dirty="0" smtClean="0"/>
+              <a:t> </a:t>
+            </a:r>
+            <a:r>
+              <a:rPr lang="it-IT" dirty="0" err="1" smtClean="0"/>
+              <a:t>everything</a:t>
+            </a:r>
+            <a:r>
+              <a:rPr lang="it-IT" dirty="0" smtClean="0"/>
+              <a:t> </a:t>
+            </a:r>
+          </a:p>
+          <a:p>
+            <a:pPr lvl="1"/>
+            <a:endParaRPr lang="it-IT" dirty="0" smtClean="0"/>
+          </a:p>
+          <a:p>
+            <a:r>
+              <a:rPr lang="it-IT" dirty="0" smtClean="0"/>
+              <a:t>Must be </a:t>
+            </a:r>
+            <a:r>
+              <a:rPr lang="it-IT" dirty="0" err="1" smtClean="0"/>
+              <a:t>uses</a:t>
+            </a:r>
+            <a:r>
+              <a:rPr lang="it-IT" dirty="0" smtClean="0"/>
+              <a:t> inside a &lt;</a:t>
+            </a:r>
+            <a:r>
+              <a:rPr lang="it-IT" dirty="0" err="1" smtClean="0"/>
+              <a:t>cs:ftcs</a:t>
+            </a:r>
+            <a:r>
+              <a:rPr lang="it-IT" dirty="0" smtClean="0"/>
+              <a:t>&gt; </a:t>
+            </a:r>
+            <a:r>
+              <a:rPr lang="it-IT" dirty="0" err="1" smtClean="0"/>
+              <a:t>block</a:t>
+            </a:r>
+            <a:endParaRPr lang="it-IT" dirty="0" smtClean="0"/>
+          </a:p>
+          <a:p>
+            <a:pPr lvl="1"/>
+            <a:r>
+              <a:rPr lang="it-IT" dirty="0"/>
+              <a:t>Content Server </a:t>
+            </a:r>
+            <a:r>
+              <a:rPr lang="it-IT" dirty="0" err="1"/>
+              <a:t>is</a:t>
+            </a:r>
+            <a:r>
+              <a:rPr lang="it-IT" dirty="0"/>
+              <a:t> the </a:t>
+            </a:r>
+            <a:r>
+              <a:rPr lang="it-IT" dirty="0" err="1"/>
+              <a:t>internal</a:t>
+            </a:r>
+            <a:r>
+              <a:rPr lang="it-IT" dirty="0"/>
+              <a:t> </a:t>
+            </a:r>
+            <a:r>
+              <a:rPr lang="it-IT" dirty="0" err="1"/>
+              <a:t>name</a:t>
+            </a:r>
+            <a:r>
+              <a:rPr lang="it-IT" dirty="0"/>
+              <a:t> of the </a:t>
+            </a:r>
+            <a:r>
+              <a:rPr lang="it-IT" dirty="0" err="1"/>
+              <a:t>product</a:t>
+            </a:r>
+            <a:endParaRPr lang="it-IT" dirty="0"/>
+          </a:p>
+          <a:p>
+            <a:pPr lvl="1"/>
+            <a:r>
+              <a:rPr lang="it-IT" dirty="0"/>
+              <a:t>Future Tense </a:t>
+            </a:r>
+            <a:r>
+              <a:rPr lang="it-IT" dirty="0" err="1"/>
+              <a:t>is</a:t>
+            </a:r>
+            <a:r>
+              <a:rPr lang="it-IT" dirty="0"/>
+              <a:t> the </a:t>
+            </a:r>
+            <a:r>
+              <a:rPr lang="it-IT" dirty="0" err="1"/>
+              <a:t>original</a:t>
+            </a:r>
+            <a:r>
+              <a:rPr lang="it-IT" dirty="0"/>
+              <a:t> </a:t>
+            </a:r>
+            <a:r>
+              <a:rPr lang="it-IT" dirty="0" err="1"/>
+              <a:t>developer</a:t>
+            </a:r>
+            <a:r>
+              <a:rPr lang="it-IT" dirty="0"/>
+              <a:t> of </a:t>
+            </a:r>
+            <a:r>
+              <a:rPr lang="it-IT" dirty="0" err="1" smtClean="0"/>
+              <a:t>Sites</a:t>
+            </a:r>
+            <a:endParaRPr lang="it-IT" dirty="0" smtClean="0"/>
+          </a:p>
+          <a:p>
+            <a:r>
+              <a:rPr lang="it-IT" dirty="0" err="1" smtClean="0"/>
+              <a:t>It</a:t>
+            </a:r>
+            <a:r>
+              <a:rPr lang="it-IT" dirty="0" smtClean="0"/>
+              <a:t> </a:t>
+            </a:r>
+            <a:r>
+              <a:rPr lang="it-IT" dirty="0" err="1" smtClean="0"/>
+              <a:t>contains</a:t>
+            </a:r>
+            <a:r>
+              <a:rPr lang="it-IT" dirty="0" smtClean="0"/>
+              <a:t>:</a:t>
+            </a:r>
+          </a:p>
+          <a:p>
+            <a:pPr lvl="1"/>
+            <a:r>
+              <a:rPr lang="it-IT" dirty="0" err="1" smtClean="0"/>
+              <a:t>Variables</a:t>
             </a:r>
             <a:r>
               <a:rPr lang="it-IT" dirty="0" smtClean="0"/>
@@ -13552,75 +14357,69 @@
             </a:r>
             <a:r>
               <a:rPr lang="it-IT" dirty="0" err="1" smtClean="0"/>
-              <a:t>pojo</a:t>
-            </a:r>
-            <a:r>
-              <a:rPr lang="it-IT" dirty="0"/>
+              <a:t>Strings</a:t>
+            </a:r>
+            <a:r>
+              <a:rPr lang="it-IT" dirty="0" smtClean="0"/>
               <a:t>)</a:t>
             </a:r>
-            <a:r>
-              <a:rPr lang="it-IT" dirty="0" smtClean="0"/>
-              <a:t> Cache</a:t>
+          </a:p>
+          <a:p>
+            <a:pPr lvl="1"/>
+            <a:r>
+              <a:rPr lang="it-IT" dirty="0" err="1" smtClean="0"/>
+              <a:t>Lists</a:t>
+            </a:r>
+            <a:r>
+              <a:rPr lang="it-IT" dirty="0" smtClean="0"/>
+              <a:t> (</a:t>
+            </a:r>
+            <a:r>
+              <a:rPr lang="it-IT" dirty="0" err="1" smtClean="0"/>
+              <a:t>tables</a:t>
+            </a:r>
+            <a:r>
+              <a:rPr lang="it-IT" dirty="0" smtClean="0"/>
+              <a:t>, </a:t>
+            </a:r>
+            <a:r>
+              <a:rPr lang="it-IT" dirty="0" err="1" smtClean="0"/>
+              <a:t>actually</a:t>
+            </a:r>
+            <a:r>
+              <a:rPr lang="it-IT" dirty="0" smtClean="0"/>
+              <a:t>)</a:t>
+            </a:r>
+          </a:p>
+          <a:p>
+            <a:pPr lvl="1"/>
+            <a:r>
+              <a:rPr lang="it-IT" dirty="0" smtClean="0"/>
+              <a:t>Object (</a:t>
+            </a:r>
+            <a:r>
+              <a:rPr lang="it-IT" dirty="0" err="1" smtClean="0"/>
+              <a:t>arbitrary</a:t>
+            </a:r>
+            <a:r>
+              <a:rPr lang="it-IT" dirty="0" smtClean="0"/>
+              <a:t> </a:t>
+            </a:r>
+            <a:r>
+              <a:rPr lang="it-IT" dirty="0" err="1" smtClean="0"/>
+              <a:t>pojos</a:t>
+            </a:r>
+            <a:r>
+              <a:rPr lang="it-IT" dirty="0" smtClean="0"/>
+              <a:t>)</a:t>
             </a:r>
             <a:endParaRPr lang="it-IT" dirty="0"/>
           </a:p>
         </p:txBody>
       </p:sp>
-      <p:pic>
-        <p:nvPicPr>
-          <p:cNvPr id="7" name="Segnaposto contenuto 6"/>
-          <p:cNvPicPr>
-            <a:picLocks noGrp="1" noChangeAspect="1"/>
-          </p:cNvPicPr>
-          <p:nvPr>
-            <p:ph sz="half" idx="1"/>
-          </p:nvPr>
-        </p:nvPicPr>
-        <p:blipFill>
-          <a:blip r:embed="rId2"/>
-          <a:stretch>
-            <a:fillRect/>
-          </a:stretch>
-        </p:blipFill>
-        <p:spPr>
-          <a:xfrm>
-            <a:off x="1119414" y="2627179"/>
-            <a:ext cx="1714500" cy="3533775"/>
-          </a:xfrm>
-          <a:prstGeom prst="rect">
-            <a:avLst/>
-          </a:prstGeom>
-        </p:spPr>
-      </p:pic>
-      <p:pic>
-        <p:nvPicPr>
-          <p:cNvPr id="6" name="Segnaposto contenuto 5"/>
-          <p:cNvPicPr>
-            <a:picLocks noGrp="1" noChangeAspect="1"/>
-          </p:cNvPicPr>
-          <p:nvPr>
-            <p:ph sz="half" idx="2"/>
-          </p:nvPr>
-        </p:nvPicPr>
-        <p:blipFill>
-          <a:blip r:embed="rId3"/>
-          <a:stretch>
-            <a:fillRect/>
-          </a:stretch>
-        </p:blipFill>
-        <p:spPr>
-          <a:xfrm>
-            <a:off x="5241924" y="3432041"/>
-            <a:ext cx="3095625" cy="1924050"/>
-          </a:xfrm>
-          <a:prstGeom prst="rect">
-            <a:avLst/>
-          </a:prstGeom>
-        </p:spPr>
-      </p:pic>
-      <p:sp>
-        <p:nvSpPr>
-          <p:cNvPr id="5" name="Segnaposto numero diapositiva 4"/>
+      <p:sp>
+        <p:nvSpPr>
+          <p:cNvPr id="4" name="Segnaposto numero diapositiva 3"/>
           <p:cNvSpPr>
             <a:spLocks noGrp="1"/>
           </p:cNvSpPr>
@@ -13642,34 +14441,10 @@
           </a:p>
         </p:txBody>
       </p:sp>
-      <p:pic>
-        <p:nvPicPr>
-          <p:cNvPr id="8" name="Immagine 7"/>
-          <p:cNvPicPr>
-            <a:picLocks noChangeAspect="1"/>
-          </p:cNvPicPr>
-          <p:nvPr/>
-        </p:nvPicPr>
-        <p:blipFill>
-          <a:blip r:embed="rId4"/>
-          <a:stretch>
-            <a:fillRect/>
-          </a:stretch>
-        </p:blipFill>
-        <p:spPr>
-          <a:xfrm>
-            <a:off x="3047319" y="2841491"/>
-            <a:ext cx="1981200" cy="3105150"/>
-          </a:xfrm>
-          <a:prstGeom prst="rect">
-            <a:avLst/>
-          </a:prstGeom>
-        </p:spPr>
-      </p:pic>
     </p:spTree>
     <p:extLst>
       <p:ext uri="{BB962C8B-B14F-4D97-AF65-F5344CB8AC3E}">
-        <p14:creationId xmlns:p14="http://schemas.microsoft.com/office/powerpoint/2010/main" val="324513021"/>
+        <p14:creationId xmlns:p14="http://schemas.microsoft.com/office/powerpoint/2010/main" val="2634784078"/>
       </p:ext>
     </p:extLst>
   </p:cSld>
@@ -13720,32 +14495,52 @@
           <a:p>
             <a:r>
               <a:rPr lang="it-IT" dirty="0" err="1" smtClean="0"/>
-              <a:t>ResultSet</a:t>
-            </a:r>
-            <a:r>
-              <a:rPr lang="it-IT" dirty="0" smtClean="0"/>
-              <a:t> (</a:t>
-            </a:r>
-            <a:r>
-              <a:rPr lang="it-IT" dirty="0" err="1" smtClean="0"/>
-              <a:t>table</a:t>
-            </a:r>
-            <a:r>
-              <a:rPr lang="it-IT" dirty="0" smtClean="0"/>
-              <a:t>) cache</a:t>
+              <a:t>Variables</a:t>
+            </a:r>
+            <a:r>
+              <a:rPr lang="it-IT" dirty="0" smtClean="0"/>
+              <a:t> in </a:t>
+            </a:r>
+            <a:r>
+              <a:rPr lang="it-IT" dirty="0" err="1" smtClean="0"/>
+              <a:t>Sites</a:t>
             </a:r>
             <a:endParaRPr lang="it-IT" dirty="0"/>
+          </a:p>
+        </p:txBody>
+      </p:sp>
+      <p:sp>
+        <p:nvSpPr>
+          <p:cNvPr id="4" name="Segnaposto numero diapositiva 3"/>
+          <p:cNvSpPr>
+            <a:spLocks noGrp="1"/>
+          </p:cNvSpPr>
+          <p:nvPr>
+            <p:ph type="sldNum" sz="quarter" idx="12"/>
+          </p:nvPr>
+        </p:nvSpPr>
+        <p:spPr/>
+        <p:txBody>
+          <a:bodyPr/>
+          <a:lstStyle/>
+          <a:p>
+            <a:fld id="{D57F1E4F-1CFF-5643-939E-217C01CDF565}" type="slidenum">
+              <a:rPr lang="en-US" smtClean="0"/>
+              <a:pPr/>
+              <a:t>39</a:t>
+            </a:fld>
+            <a:endParaRPr lang="en-US" dirty="0"/>
           </a:p>
         </p:txBody>
       </p:sp>
       <p:pic>
         <p:nvPicPr>
-          <p:cNvPr id="9" name="Segnaposto contenuto 8"/>
+          <p:cNvPr id="7" name="Segnaposto contenuto 6"/>
           <p:cNvPicPr>
             <a:picLocks noGrp="1" noChangeAspect="1"/>
           </p:cNvPicPr>
           <p:nvPr>
-            <p:ph sz="half" idx="1"/>
+            <p:ph idx="1"/>
           </p:nvPr>
         </p:nvPicPr>
         <p:blipFill>
@@ -13756,8 +14551,8 @@
         </p:blipFill>
         <p:spPr>
           <a:xfrm>
-            <a:off x="5089983" y="2823637"/>
-            <a:ext cx="3886200" cy="3083703"/>
+            <a:off x="1688193" y="2072142"/>
+            <a:ext cx="5293179" cy="3042830"/>
           </a:xfrm>
           <a:prstGeom prst="rect">
             <a:avLst/>
@@ -13766,13 +14561,11 @@
       </p:pic>
       <p:pic>
         <p:nvPicPr>
-          <p:cNvPr id="6" name="Segnaposto contenuto 5"/>
+          <p:cNvPr id="10" name="Immagine 9"/>
           <p:cNvPicPr>
-            <a:picLocks noGrp="1" noChangeAspect="1"/>
+            <a:picLocks noChangeAspect="1"/>
           </p:cNvPicPr>
-          <p:nvPr>
-            <p:ph sz="half" idx="2"/>
-          </p:nvPr>
+          <p:nvPr/>
         </p:nvPicPr>
         <p:blipFill>
           <a:blip r:embed="rId3"/>
@@ -13782,56 +14575,8 @@
         </p:blipFill>
         <p:spPr>
           <a:xfrm>
-            <a:off x="382816" y="2408103"/>
-            <a:ext cx="2371725" cy="3914775"/>
-          </a:xfrm>
-          <a:prstGeom prst="rect">
-            <a:avLst/>
-          </a:prstGeom>
-        </p:spPr>
-      </p:pic>
-      <p:sp>
-        <p:nvSpPr>
-          <p:cNvPr id="5" name="Segnaposto numero diapositiva 4"/>
-          <p:cNvSpPr>
-            <a:spLocks noGrp="1"/>
-          </p:cNvSpPr>
-          <p:nvPr>
-            <p:ph type="sldNum" sz="quarter" idx="12"/>
-          </p:nvPr>
-        </p:nvSpPr>
-        <p:spPr/>
-        <p:txBody>
-          <a:bodyPr/>
-          <a:lstStyle/>
-          <a:p>
-            <a:fld id="{D57F1E4F-1CFF-5643-939E-217C01CDF565}" type="slidenum">
-              <a:rPr lang="en-US" smtClean="0"/>
-              <a:pPr/>
-              <a:t>39</a:t>
-            </a:fld>
-            <a:endParaRPr lang="en-US" dirty="0"/>
-          </a:p>
-        </p:txBody>
-      </p:sp>
-      <p:pic>
-        <p:nvPicPr>
-          <p:cNvPr id="7" name="Immagine 6"/>
-          <p:cNvPicPr>
-            <a:picLocks noChangeAspect="1"/>
-          </p:cNvPicPr>
-          <p:nvPr/>
-        </p:nvPicPr>
-        <p:blipFill>
-          <a:blip r:embed="rId4"/>
-          <a:stretch>
-            <a:fillRect/>
-          </a:stretch>
-        </p:blipFill>
-        <p:spPr>
-          <a:xfrm>
-            <a:off x="2903087" y="2627177"/>
-            <a:ext cx="2038350" cy="3476625"/>
+            <a:off x="419100" y="5293405"/>
+            <a:ext cx="8305800" cy="1438275"/>
           </a:xfrm>
           <a:prstGeom prst="rect">
             <a:avLst/>
@@ -13841,7 +14586,7 @@
     </p:spTree>
     <p:extLst>
       <p:ext uri="{BB962C8B-B14F-4D97-AF65-F5344CB8AC3E}">
-        <p14:creationId xmlns:p14="http://schemas.microsoft.com/office/powerpoint/2010/main" val="2846513341"/>
+        <p14:creationId xmlns:p14="http://schemas.microsoft.com/office/powerpoint/2010/main" val="2484884907"/>
       </p:ext>
     </p:extLst>
   </p:cSld>
@@ -14466,7 +15211,7 @@
       </p:grpSpPr>
       <p:sp>
         <p:nvSpPr>
-          <p:cNvPr id="6" name="Titolo 5"/>
+          <p:cNvPr id="2" name="Titolo 1"/>
           <p:cNvSpPr>
             <a:spLocks noGrp="1"/>
           </p:cNvSpPr>
@@ -14481,19 +15226,75 @@
           <a:p>
             <a:r>
               <a:rPr lang="it-IT" dirty="0" err="1" smtClean="0"/>
-              <a:t>Dependencies</a:t>
-            </a:r>
-            <a:r>
-              <a:rPr lang="it-IT" dirty="0" smtClean="0"/>
-              <a:t> (the easy part)</a:t>
+              <a:t>Lists</a:t>
+            </a:r>
+            <a:r>
+              <a:rPr lang="it-IT" dirty="0" smtClean="0"/>
+              <a:t> in </a:t>
+            </a:r>
+            <a:r>
+              <a:rPr lang="it-IT" dirty="0" err="1" smtClean="0"/>
+              <a:t>Sites</a:t>
             </a:r>
             <a:endParaRPr lang="it-IT" dirty="0"/>
           </a:p>
         </p:txBody>
       </p:sp>
-      <p:sp>
-        <p:nvSpPr>
-          <p:cNvPr id="5" name="Segnaposto numero diapositiva 4"/>
+      <p:pic>
+        <p:nvPicPr>
+          <p:cNvPr id="8" name="Segnaposto contenuto 7"/>
+          <p:cNvPicPr>
+            <a:picLocks noGrp="1" noChangeAspect="1"/>
+          </p:cNvPicPr>
+          <p:nvPr>
+            <p:ph sz="half" idx="1"/>
+          </p:nvPr>
+        </p:nvPicPr>
+        <p:blipFill>
+          <a:blip r:embed="rId2"/>
+          <a:stretch>
+            <a:fillRect/>
+          </a:stretch>
+        </p:blipFill>
+        <p:spPr>
+          <a:xfrm>
+            <a:off x="628650" y="3159169"/>
+            <a:ext cx="3886200" cy="2846299"/>
+          </a:xfrm>
+          <a:prstGeom prst="rect">
+            <a:avLst/>
+          </a:prstGeom>
+        </p:spPr>
+      </p:pic>
+      <p:pic>
+        <p:nvPicPr>
+          <p:cNvPr id="14" name="Segnaposto contenuto 13"/>
+          <p:cNvPicPr>
+            <a:picLocks noGrp="1" noChangeAspect="1"/>
+          </p:cNvPicPr>
+          <p:nvPr>
+            <p:ph sz="half" idx="2"/>
+          </p:nvPr>
+        </p:nvPicPr>
+        <p:blipFill>
+          <a:blip r:embed="rId3"/>
+          <a:stretch>
+            <a:fillRect/>
+          </a:stretch>
+        </p:blipFill>
+        <p:spPr>
+          <a:xfrm>
+            <a:off x="4846638" y="3288191"/>
+            <a:ext cx="3886200" cy="2588255"/>
+          </a:xfrm>
+          <a:prstGeom prst="rect">
+            <a:avLst/>
+          </a:prstGeom>
+        </p:spPr>
+      </p:pic>
+      <p:sp>
+        <p:nvSpPr>
+          <p:cNvPr id="4" name="Segnaposto numero diapositiva 3"/>
           <p:cNvSpPr>
             <a:spLocks noGrp="1"/>
           </p:cNvSpPr>
@@ -14510,6 +15311,2541 @@
               <a:rPr lang="en-US" smtClean="0"/>
               <a:pPr/>
               <a:t>40</a:t>
+            </a:fld>
+            <a:endParaRPr lang="en-US" dirty="0"/>
+          </a:p>
+        </p:txBody>
+      </p:sp>
+      <p:sp>
+        <p:nvSpPr>
+          <p:cNvPr id="15" name="CasellaDiTesto 14"/>
+          <p:cNvSpPr txBox="1"/>
+          <p:nvPr/>
+        </p:nvSpPr>
+        <p:spPr>
+          <a:xfrm>
+            <a:off x="1756229" y="2789837"/>
+            <a:ext cx="1178528" cy="369332"/>
+          </a:xfrm>
+          <a:prstGeom prst="rect">
+            <a:avLst/>
+          </a:prstGeom>
+          <a:noFill/>
+        </p:spPr>
+        <p:txBody>
+          <a:bodyPr wrap="none" rtlCol="0">
+            <a:spAutoFit/>
+          </a:bodyPr>
+          <a:lstStyle/>
+          <a:p>
+            <a:r>
+              <a:rPr lang="it-IT" dirty="0" err="1" smtClean="0"/>
+              <a:t>Loop</a:t>
+            </a:r>
+            <a:r>
+              <a:rPr lang="it-IT" dirty="0" smtClean="0"/>
+              <a:t> a list</a:t>
+            </a:r>
+            <a:endParaRPr lang="it-IT" dirty="0"/>
+          </a:p>
+        </p:txBody>
+      </p:sp>
+      <p:sp>
+        <p:nvSpPr>
+          <p:cNvPr id="16" name="CasellaDiTesto 15"/>
+          <p:cNvSpPr txBox="1"/>
+          <p:nvPr/>
+        </p:nvSpPr>
+        <p:spPr>
+          <a:xfrm>
+            <a:off x="3875091" y="6190134"/>
+            <a:ext cx="1279517" cy="369332"/>
+          </a:xfrm>
+          <a:prstGeom prst="rect">
+            <a:avLst/>
+          </a:prstGeom>
+          <a:noFill/>
+        </p:spPr>
+        <p:txBody>
+          <a:bodyPr wrap="none" rtlCol="0">
+            <a:spAutoFit/>
+          </a:bodyPr>
+          <a:lstStyle/>
+          <a:p>
+            <a:r>
+              <a:rPr lang="it-IT" dirty="0" smtClean="0"/>
+              <a:t>List Output</a:t>
+            </a:r>
+            <a:endParaRPr lang="it-IT" dirty="0"/>
+          </a:p>
+        </p:txBody>
+      </p:sp>
+      <p:sp>
+        <p:nvSpPr>
+          <p:cNvPr id="17" name="CasellaDiTesto 16"/>
+          <p:cNvSpPr txBox="1"/>
+          <p:nvPr/>
+        </p:nvSpPr>
+        <p:spPr>
+          <a:xfrm>
+            <a:off x="6519520" y="2605171"/>
+            <a:ext cx="1935145" cy="369332"/>
+          </a:xfrm>
+          <a:prstGeom prst="rect">
+            <a:avLst/>
+          </a:prstGeom>
+          <a:noFill/>
+        </p:spPr>
+        <p:txBody>
+          <a:bodyPr wrap="none" rtlCol="0">
+            <a:spAutoFit/>
+          </a:bodyPr>
+          <a:lstStyle/>
+          <a:p>
+            <a:r>
+              <a:rPr lang="it-IT" dirty="0" err="1" smtClean="0"/>
+              <a:t>Get</a:t>
+            </a:r>
+            <a:r>
+              <a:rPr lang="it-IT" dirty="0" smtClean="0"/>
+              <a:t> a list of </a:t>
+            </a:r>
+            <a:r>
+              <a:rPr lang="it-IT" dirty="0" err="1" smtClean="0"/>
+              <a:t>assets</a:t>
+            </a:r>
+            <a:endParaRPr lang="it-IT" dirty="0"/>
+          </a:p>
+        </p:txBody>
+      </p:sp>
+      <p:sp>
+        <p:nvSpPr>
+          <p:cNvPr id="18" name="CasellaDiTesto 17"/>
+          <p:cNvSpPr txBox="1"/>
+          <p:nvPr/>
+        </p:nvSpPr>
+        <p:spPr>
+          <a:xfrm>
+            <a:off x="7246045" y="6012516"/>
+            <a:ext cx="1897955" cy="646331"/>
+          </a:xfrm>
+          <a:prstGeom prst="rect">
+            <a:avLst/>
+          </a:prstGeom>
+          <a:noFill/>
+        </p:spPr>
+        <p:txBody>
+          <a:bodyPr wrap="none" rtlCol="0">
+            <a:spAutoFit/>
+          </a:bodyPr>
+          <a:lstStyle/>
+          <a:p>
+            <a:r>
+              <a:rPr lang="it-IT" dirty="0" smtClean="0"/>
+              <a:t>DO NOT DO THIS!</a:t>
+            </a:r>
+            <a:br>
+              <a:rPr lang="it-IT" dirty="0" smtClean="0"/>
+            </a:br>
+            <a:r>
+              <a:rPr lang="it-IT" dirty="0" smtClean="0"/>
+              <a:t>ONLY A SAMPLE</a:t>
+            </a:r>
+            <a:endParaRPr lang="it-IT" dirty="0"/>
+          </a:p>
+        </p:txBody>
+      </p:sp>
+      <p:cxnSp>
+        <p:nvCxnSpPr>
+          <p:cNvPr id="20" name="Connettore 2 19"/>
+          <p:cNvCxnSpPr/>
+          <p:nvPr/>
+        </p:nvCxnSpPr>
+        <p:spPr>
+          <a:xfrm flipH="1" flipV="1">
+            <a:off x="6894286" y="4383314"/>
+            <a:ext cx="943428" cy="1629202"/>
+          </a:xfrm>
+          <a:prstGeom prst="straightConnector1">
+            <a:avLst/>
+          </a:prstGeom>
+          <a:ln>
+            <a:tailEnd type="triangle"/>
+          </a:ln>
+        </p:spPr>
+        <p:style>
+          <a:lnRef idx="2">
+            <a:schemeClr val="dk1"/>
+          </a:lnRef>
+          <a:fillRef idx="0">
+            <a:schemeClr val="dk1"/>
+          </a:fillRef>
+          <a:effectRef idx="1">
+            <a:schemeClr val="dk1"/>
+          </a:effectRef>
+          <a:fontRef idx="minor">
+            <a:schemeClr val="tx1"/>
+          </a:fontRef>
+        </p:style>
+      </p:cxnSp>
+      <p:cxnSp>
+        <p:nvCxnSpPr>
+          <p:cNvPr id="23" name="Connettore 2 22"/>
+          <p:cNvCxnSpPr/>
+          <p:nvPr/>
+        </p:nvCxnSpPr>
+        <p:spPr>
+          <a:xfrm flipV="1">
+            <a:off x="4680408" y="5129880"/>
+            <a:ext cx="864049" cy="1205801"/>
+          </a:xfrm>
+          <a:prstGeom prst="straightConnector1">
+            <a:avLst/>
+          </a:prstGeom>
+          <a:ln>
+            <a:tailEnd type="triangle"/>
+          </a:ln>
+        </p:spPr>
+        <p:style>
+          <a:lnRef idx="2">
+            <a:schemeClr val="dk1"/>
+          </a:lnRef>
+          <a:fillRef idx="0">
+            <a:schemeClr val="dk1"/>
+          </a:fillRef>
+          <a:effectRef idx="1">
+            <a:schemeClr val="dk1"/>
+          </a:effectRef>
+          <a:fontRef idx="minor">
+            <a:schemeClr val="tx1"/>
+          </a:fontRef>
+        </p:style>
+      </p:cxnSp>
+      <p:cxnSp>
+        <p:nvCxnSpPr>
+          <p:cNvPr id="25" name="Connettore 1 24"/>
+          <p:cNvCxnSpPr/>
+          <p:nvPr/>
+        </p:nvCxnSpPr>
+        <p:spPr>
+          <a:xfrm>
+            <a:off x="3177490" y="5275734"/>
+            <a:ext cx="914400" cy="914400"/>
+          </a:xfrm>
+          <a:prstGeom prst="line">
+            <a:avLst/>
+          </a:prstGeom>
+        </p:spPr>
+        <p:style>
+          <a:lnRef idx="2">
+            <a:schemeClr val="dk1"/>
+          </a:lnRef>
+          <a:fillRef idx="0">
+            <a:schemeClr val="dk1"/>
+          </a:fillRef>
+          <a:effectRef idx="1">
+            <a:schemeClr val="dk1"/>
+          </a:effectRef>
+          <a:fontRef idx="minor">
+            <a:schemeClr val="tx1"/>
+          </a:fontRef>
+        </p:style>
+      </p:cxnSp>
+      <p:cxnSp>
+        <p:nvCxnSpPr>
+          <p:cNvPr id="27" name="Connettore 1 26"/>
+          <p:cNvCxnSpPr/>
+          <p:nvPr/>
+        </p:nvCxnSpPr>
+        <p:spPr>
+          <a:xfrm flipH="1">
+            <a:off x="2133600" y="3058905"/>
+            <a:ext cx="211893" cy="596011"/>
+          </a:xfrm>
+          <a:prstGeom prst="line">
+            <a:avLst/>
+          </a:prstGeom>
+        </p:spPr>
+        <p:style>
+          <a:lnRef idx="2">
+            <a:schemeClr val="dk1"/>
+          </a:lnRef>
+          <a:fillRef idx="0">
+            <a:schemeClr val="dk1"/>
+          </a:fillRef>
+          <a:effectRef idx="1">
+            <a:schemeClr val="dk1"/>
+          </a:effectRef>
+          <a:fontRef idx="minor">
+            <a:schemeClr val="tx1"/>
+          </a:fontRef>
+        </p:style>
+      </p:cxnSp>
+      <p:cxnSp>
+        <p:nvCxnSpPr>
+          <p:cNvPr id="29" name="Connettore 1 28"/>
+          <p:cNvCxnSpPr/>
+          <p:nvPr/>
+        </p:nvCxnSpPr>
+        <p:spPr>
+          <a:xfrm flipH="1">
+            <a:off x="6633029" y="2974503"/>
+            <a:ext cx="362857" cy="680413"/>
+          </a:xfrm>
+          <a:prstGeom prst="line">
+            <a:avLst/>
+          </a:prstGeom>
+        </p:spPr>
+        <p:style>
+          <a:lnRef idx="2">
+            <a:schemeClr val="dk1"/>
+          </a:lnRef>
+          <a:fillRef idx="0">
+            <a:schemeClr val="dk1"/>
+          </a:fillRef>
+          <a:effectRef idx="1">
+            <a:schemeClr val="dk1"/>
+          </a:effectRef>
+          <a:fontRef idx="minor">
+            <a:schemeClr val="tx1"/>
+          </a:fontRef>
+        </p:style>
+      </p:cxnSp>
+    </p:spTree>
+    <p:extLst>
+      <p:ext uri="{BB962C8B-B14F-4D97-AF65-F5344CB8AC3E}">
+        <p14:creationId xmlns:p14="http://schemas.microsoft.com/office/powerpoint/2010/main" val="3691478718"/>
+      </p:ext>
+    </p:extLst>
+  </p:cSld>
+  <p:clrMapOvr>
+    <a:masterClrMapping/>
+  </p:clrMapOvr>
+  <p:timing>
+    <p:tnLst>
+      <p:par>
+        <p:cTn xmlns:p14="http://schemas.microsoft.com/office/powerpoint/2010/main" id="1" dur="indefinite" restart="never" nodeType="tmRoot"/>
+      </p:par>
+    </p:tnLst>
+  </p:timing>
+</p:sld>
+</file>
+
+<file path=ppt/slides/slide41.xml><?xml version="1.0" encoding="utf-8"?>
+<p:sld xmlns:a="http://schemas.openxmlformats.org/drawingml/2006/main" xmlns:r="http://schemas.openxmlformats.org/officeDocument/2006/relationships" xmlns:p="http://schemas.openxmlformats.org/presentationml/2006/main">
+  <p:cSld>
+    <p:spTree>
+      <p:nvGrpSpPr>
+        <p:cNvPr id="1" name=""/>
+        <p:cNvGrpSpPr/>
+        <p:nvPr/>
+      </p:nvGrpSpPr>
+      <p:grpSpPr>
+        <a:xfrm>
+          <a:off x="0" y="0"/>
+          <a:ext cx="0" cy="0"/>
+          <a:chOff x="0" y="0"/>
+          <a:chExt cx="0" cy="0"/>
+        </a:xfrm>
+      </p:grpSpPr>
+      <p:sp>
+        <p:nvSpPr>
+          <p:cNvPr id="11" name="Titolo 10"/>
+          <p:cNvSpPr>
+            <a:spLocks noGrp="1"/>
+          </p:cNvSpPr>
+          <p:nvPr>
+            <p:ph type="title"/>
+          </p:nvPr>
+        </p:nvSpPr>
+        <p:spPr/>
+        <p:txBody>
+          <a:bodyPr/>
+          <a:lstStyle/>
+          <a:p>
+            <a:r>
+              <a:rPr lang="it-IT" dirty="0" err="1" smtClean="0"/>
+              <a:t>Extracting</a:t>
+            </a:r>
+            <a:r>
+              <a:rPr lang="it-IT" dirty="0" smtClean="0"/>
+              <a:t> </a:t>
+            </a:r>
+            <a:r>
+              <a:rPr lang="it-IT" dirty="0" err="1" smtClean="0"/>
+              <a:t>attributes</a:t>
+            </a:r>
+            <a:endParaRPr lang="it-IT" dirty="0"/>
+          </a:p>
+        </p:txBody>
+      </p:sp>
+      <p:sp>
+        <p:nvSpPr>
+          <p:cNvPr id="12" name="Segnaposto testo 11"/>
+          <p:cNvSpPr>
+            <a:spLocks noGrp="1"/>
+          </p:cNvSpPr>
+          <p:nvPr>
+            <p:ph type="body" idx="1"/>
+          </p:nvPr>
+        </p:nvSpPr>
+        <p:spPr/>
+        <p:txBody>
+          <a:bodyPr/>
+          <a:lstStyle/>
+          <a:p>
+            <a:r>
+              <a:rPr lang="it-IT" dirty="0" err="1" smtClean="0"/>
+              <a:t>Let's</a:t>
+            </a:r>
+            <a:r>
+              <a:rPr lang="it-IT" dirty="0" smtClean="0"/>
+              <a:t> start </a:t>
+            </a:r>
+            <a:r>
+              <a:rPr lang="it-IT" dirty="0" err="1" smtClean="0"/>
+              <a:t>adding</a:t>
+            </a:r>
+            <a:r>
+              <a:rPr lang="it-IT" dirty="0" smtClean="0"/>
+              <a:t> the </a:t>
+            </a:r>
+            <a:r>
+              <a:rPr lang="it-IT" dirty="0" err="1" smtClean="0"/>
+              <a:t>content</a:t>
+            </a:r>
+            <a:endParaRPr lang="it-IT" dirty="0"/>
+          </a:p>
+        </p:txBody>
+      </p:sp>
+      <p:sp>
+        <p:nvSpPr>
+          <p:cNvPr id="4" name="Segnaposto numero diapositiva 3"/>
+          <p:cNvSpPr>
+            <a:spLocks noGrp="1"/>
+          </p:cNvSpPr>
+          <p:nvPr>
+            <p:ph type="sldNum" sz="quarter" idx="12"/>
+          </p:nvPr>
+        </p:nvSpPr>
+        <p:spPr/>
+        <p:txBody>
+          <a:bodyPr/>
+          <a:lstStyle/>
+          <a:p>
+            <a:fld id="{D57F1E4F-1CFF-5643-939E-217C01CDF565}" type="slidenum">
+              <a:rPr lang="en-US" smtClean="0"/>
+              <a:pPr/>
+              <a:t>41</a:t>
+            </a:fld>
+            <a:endParaRPr lang="en-US" dirty="0"/>
+          </a:p>
+        </p:txBody>
+      </p:sp>
+    </p:spTree>
+    <p:extLst>
+      <p:ext uri="{BB962C8B-B14F-4D97-AF65-F5344CB8AC3E}">
+        <p14:creationId xmlns:p14="http://schemas.microsoft.com/office/powerpoint/2010/main" val="1012074336"/>
+      </p:ext>
+    </p:extLst>
+  </p:cSld>
+  <p:clrMapOvr>
+    <a:masterClrMapping/>
+  </p:clrMapOvr>
+  <p:timing>
+    <p:tnLst>
+      <p:par>
+        <p:cTn xmlns:p14="http://schemas.microsoft.com/office/powerpoint/2010/main" id="1" dur="indefinite" restart="never" nodeType="tmRoot"/>
+      </p:par>
+    </p:tnLst>
+  </p:timing>
+</p:sld>
+</file>
+
+<file path=ppt/slides/slide42.xml><?xml version="1.0" encoding="utf-8"?>
+<p:sld xmlns:a="http://schemas.openxmlformats.org/drawingml/2006/main" xmlns:r="http://schemas.openxmlformats.org/officeDocument/2006/relationships" xmlns:p="http://schemas.openxmlformats.org/presentationml/2006/main">
+  <p:cSld>
+    <p:spTree>
+      <p:nvGrpSpPr>
+        <p:cNvPr id="1" name=""/>
+        <p:cNvGrpSpPr/>
+        <p:nvPr/>
+      </p:nvGrpSpPr>
+      <p:grpSpPr>
+        <a:xfrm>
+          <a:off x="0" y="0"/>
+          <a:ext cx="0" cy="0"/>
+          <a:chOff x="0" y="0"/>
+          <a:chExt cx="0" cy="0"/>
+        </a:xfrm>
+      </p:grpSpPr>
+      <p:sp>
+        <p:nvSpPr>
+          <p:cNvPr id="6" name="Titolo 5"/>
+          <p:cNvSpPr>
+            <a:spLocks noGrp="1"/>
+          </p:cNvSpPr>
+          <p:nvPr>
+            <p:ph type="title"/>
+          </p:nvPr>
+        </p:nvSpPr>
+        <p:spPr/>
+        <p:txBody>
+          <a:bodyPr/>
+          <a:lstStyle/>
+          <a:p>
+            <a:r>
+              <a:rPr lang="it-IT" dirty="0" err="1" smtClean="0"/>
+              <a:t>Loading</a:t>
+            </a:r>
+            <a:r>
+              <a:rPr lang="it-IT" dirty="0" smtClean="0"/>
+              <a:t> an </a:t>
+            </a:r>
+            <a:r>
+              <a:rPr lang="it-IT" dirty="0" err="1" smtClean="0"/>
+              <a:t>asset</a:t>
+            </a:r>
+            <a:endParaRPr lang="it-IT" dirty="0"/>
+          </a:p>
+        </p:txBody>
+      </p:sp>
+      <p:sp>
+        <p:nvSpPr>
+          <p:cNvPr id="8" name="Segnaposto contenuto 7"/>
+          <p:cNvSpPr>
+            <a:spLocks noGrp="1"/>
+          </p:cNvSpPr>
+          <p:nvPr>
+            <p:ph sz="half" idx="1"/>
+          </p:nvPr>
+        </p:nvSpPr>
+        <p:spPr/>
+        <p:txBody>
+          <a:bodyPr>
+            <a:normAutofit/>
+          </a:bodyPr>
+          <a:lstStyle/>
+          <a:p>
+            <a:r>
+              <a:rPr lang="it-IT" dirty="0" err="1" smtClean="0"/>
+              <a:t>Load</a:t>
+            </a:r>
+            <a:r>
+              <a:rPr lang="it-IT" dirty="0" smtClean="0"/>
+              <a:t> the </a:t>
+            </a:r>
+            <a:r>
+              <a:rPr lang="it-IT" dirty="0" err="1" smtClean="0"/>
+              <a:t>asset</a:t>
+            </a:r>
+            <a:r>
+              <a:rPr lang="it-IT" dirty="0" smtClean="0"/>
+              <a:t> "head"</a:t>
+            </a:r>
+          </a:p>
+          <a:p>
+            <a:endParaRPr lang="it-IT" dirty="0"/>
+          </a:p>
+          <a:p>
+            <a:endParaRPr lang="it-IT" dirty="0" smtClean="0"/>
+          </a:p>
+          <a:p>
+            <a:endParaRPr lang="it-IT" dirty="0"/>
+          </a:p>
+          <a:p>
+            <a:r>
+              <a:rPr lang="it-IT" dirty="0" err="1" smtClean="0"/>
+              <a:t>Load</a:t>
+            </a:r>
+            <a:r>
+              <a:rPr lang="it-IT" dirty="0" smtClean="0"/>
+              <a:t> the </a:t>
+            </a:r>
+            <a:r>
+              <a:rPr lang="it-IT" dirty="0" err="1" smtClean="0"/>
+              <a:t>attibutes</a:t>
+            </a:r>
+            <a:endParaRPr lang="it-IT" dirty="0" smtClean="0"/>
+          </a:p>
+          <a:p>
+            <a:endParaRPr lang="it-IT" dirty="0"/>
+          </a:p>
+        </p:txBody>
+      </p:sp>
+      <p:sp>
+        <p:nvSpPr>
+          <p:cNvPr id="5" name="Segnaposto numero diapositiva 4"/>
+          <p:cNvSpPr>
+            <a:spLocks noGrp="1"/>
+          </p:cNvSpPr>
+          <p:nvPr>
+            <p:ph type="sldNum" sz="quarter" idx="12"/>
+          </p:nvPr>
+        </p:nvSpPr>
+        <p:spPr/>
+        <p:txBody>
+          <a:bodyPr/>
+          <a:lstStyle/>
+          <a:p>
+            <a:fld id="{D57F1E4F-1CFF-5643-939E-217C01CDF565}" type="slidenum">
+              <a:rPr lang="en-US" smtClean="0"/>
+              <a:pPr/>
+              <a:t>42</a:t>
+            </a:fld>
+            <a:endParaRPr lang="en-US" dirty="0"/>
+          </a:p>
+        </p:txBody>
+      </p:sp>
+      <p:pic>
+        <p:nvPicPr>
+          <p:cNvPr id="10" name="Immagine 9"/>
+          <p:cNvPicPr>
+            <a:picLocks noChangeAspect="1"/>
+          </p:cNvPicPr>
+          <p:nvPr/>
+        </p:nvPicPr>
+        <p:blipFill>
+          <a:blip r:embed="rId2"/>
+          <a:stretch>
+            <a:fillRect/>
+          </a:stretch>
+        </p:blipFill>
+        <p:spPr>
+          <a:xfrm>
+            <a:off x="737262" y="3102428"/>
+            <a:ext cx="3502642" cy="1193800"/>
+          </a:xfrm>
+          <a:prstGeom prst="rect">
+            <a:avLst/>
+          </a:prstGeom>
+        </p:spPr>
+      </p:pic>
+      <p:pic>
+        <p:nvPicPr>
+          <p:cNvPr id="11" name="Immagine 10"/>
+          <p:cNvPicPr>
+            <a:picLocks noChangeAspect="1"/>
+          </p:cNvPicPr>
+          <p:nvPr/>
+        </p:nvPicPr>
+        <p:blipFill>
+          <a:blip r:embed="rId3"/>
+          <a:stretch>
+            <a:fillRect/>
+          </a:stretch>
+        </p:blipFill>
+        <p:spPr>
+          <a:xfrm>
+            <a:off x="820429" y="5160736"/>
+            <a:ext cx="3419475" cy="1180421"/>
+          </a:xfrm>
+          <a:prstGeom prst="rect">
+            <a:avLst/>
+          </a:prstGeom>
+        </p:spPr>
+      </p:pic>
+    </p:spTree>
+    <p:extLst>
+      <p:ext uri="{BB962C8B-B14F-4D97-AF65-F5344CB8AC3E}">
+        <p14:creationId xmlns:p14="http://schemas.microsoft.com/office/powerpoint/2010/main" val="965807537"/>
+      </p:ext>
+    </p:extLst>
+  </p:cSld>
+  <p:clrMapOvr>
+    <a:masterClrMapping/>
+  </p:clrMapOvr>
+  <p:timing>
+    <p:tnLst>
+      <p:par>
+        <p:cTn xmlns:p14="http://schemas.microsoft.com/office/powerpoint/2010/main" id="1" dur="indefinite" restart="never" nodeType="tmRoot"/>
+      </p:par>
+    </p:tnLst>
+  </p:timing>
+</p:sld>
+</file>
+
+<file path=ppt/slides/slide43.xml><?xml version="1.0" encoding="utf-8"?>
+<p:sld xmlns:a="http://schemas.openxmlformats.org/drawingml/2006/main" xmlns:r="http://schemas.openxmlformats.org/officeDocument/2006/relationships" xmlns:p="http://schemas.openxmlformats.org/presentationml/2006/main">
+  <p:cSld>
+    <p:spTree>
+      <p:nvGrpSpPr>
+        <p:cNvPr id="1" name=""/>
+        <p:cNvGrpSpPr/>
+        <p:nvPr/>
+      </p:nvGrpSpPr>
+      <p:grpSpPr>
+        <a:xfrm>
+          <a:off x="0" y="0"/>
+          <a:ext cx="0" cy="0"/>
+          <a:chOff x="0" y="0"/>
+          <a:chExt cx="0" cy="0"/>
+        </a:xfrm>
+      </p:grpSpPr>
+      <p:sp>
+        <p:nvSpPr>
+          <p:cNvPr id="2" name="Titolo 1"/>
+          <p:cNvSpPr>
+            <a:spLocks noGrp="1"/>
+          </p:cNvSpPr>
+          <p:nvPr>
+            <p:ph type="title"/>
+          </p:nvPr>
+        </p:nvSpPr>
+        <p:spPr/>
+        <p:txBody>
+          <a:bodyPr/>
+          <a:lstStyle/>
+          <a:p>
+            <a:r>
+              <a:rPr lang="it-IT" dirty="0" smtClean="0"/>
+              <a:t>Reading single </a:t>
+            </a:r>
+            <a:r>
+              <a:rPr lang="it-IT" dirty="0" err="1" smtClean="0"/>
+              <a:t>attribute</a:t>
+            </a:r>
+            <a:endParaRPr lang="it-IT" dirty="0"/>
+          </a:p>
+        </p:txBody>
+      </p:sp>
+      <p:sp>
+        <p:nvSpPr>
+          <p:cNvPr id="3" name="Segnaposto contenuto 2"/>
+          <p:cNvSpPr>
+            <a:spLocks noGrp="1"/>
+          </p:cNvSpPr>
+          <p:nvPr>
+            <p:ph sz="half" idx="1"/>
+          </p:nvPr>
+        </p:nvSpPr>
+        <p:spPr/>
+        <p:txBody>
+          <a:bodyPr/>
+          <a:lstStyle/>
+          <a:p>
+            <a:r>
+              <a:rPr lang="it-IT" dirty="0" err="1" smtClean="0"/>
+              <a:t>Load</a:t>
+            </a:r>
+            <a:r>
+              <a:rPr lang="it-IT" dirty="0" smtClean="0"/>
+              <a:t> the </a:t>
+            </a:r>
+            <a:r>
+              <a:rPr lang="it-IT" dirty="0" err="1" smtClean="0"/>
+              <a:t>attributes</a:t>
+            </a:r>
+            <a:r>
+              <a:rPr lang="it-IT" dirty="0" smtClean="0"/>
+              <a:t> </a:t>
+            </a:r>
+          </a:p>
+          <a:p>
+            <a:endParaRPr lang="it-IT" dirty="0" smtClean="0"/>
+          </a:p>
+          <a:p>
+            <a:endParaRPr lang="it-IT" dirty="0"/>
+          </a:p>
+          <a:p>
+            <a:r>
+              <a:rPr lang="it-IT" dirty="0" err="1" smtClean="0"/>
+              <a:t>Extract</a:t>
+            </a:r>
+            <a:r>
+              <a:rPr lang="it-IT" dirty="0" smtClean="0"/>
+              <a:t> the </a:t>
+            </a:r>
+            <a:r>
+              <a:rPr lang="it-IT" dirty="0" err="1" smtClean="0"/>
+              <a:t>value</a:t>
+            </a:r>
+            <a:endParaRPr lang="it-IT" dirty="0" smtClean="0"/>
+          </a:p>
+          <a:p>
+            <a:endParaRPr lang="it-IT" dirty="0"/>
+          </a:p>
+          <a:p>
+            <a:endParaRPr lang="it-IT" dirty="0" smtClean="0"/>
+          </a:p>
+          <a:p>
+            <a:r>
+              <a:rPr lang="it-IT" dirty="0" err="1" smtClean="0"/>
+              <a:t>Print</a:t>
+            </a:r>
+            <a:endParaRPr lang="it-IT" dirty="0" smtClean="0"/>
+          </a:p>
+          <a:p>
+            <a:endParaRPr lang="it-IT" dirty="0"/>
+          </a:p>
+        </p:txBody>
+      </p:sp>
+      <p:sp>
+        <p:nvSpPr>
+          <p:cNvPr id="4" name="Segnaposto contenuto 3"/>
+          <p:cNvSpPr>
+            <a:spLocks noGrp="1"/>
+          </p:cNvSpPr>
+          <p:nvPr>
+            <p:ph sz="half" idx="2"/>
+          </p:nvPr>
+        </p:nvSpPr>
+        <p:spPr/>
+        <p:txBody>
+          <a:bodyPr/>
+          <a:lstStyle/>
+          <a:p>
+            <a:r>
+              <a:rPr lang="it-IT" dirty="0" err="1" smtClean="0"/>
+              <a:t>Get</a:t>
+            </a:r>
+            <a:r>
+              <a:rPr lang="it-IT" dirty="0" smtClean="0"/>
+              <a:t> the </a:t>
+            </a:r>
+            <a:r>
+              <a:rPr lang="it-IT" dirty="0" err="1" smtClean="0"/>
+              <a:t>attribute</a:t>
+            </a:r>
+            <a:r>
+              <a:rPr lang="it-IT" dirty="0" smtClean="0"/>
+              <a:t/>
+            </a:r>
+            <a:br>
+              <a:rPr lang="it-IT" dirty="0" smtClean="0"/>
+            </a:br>
+            <a:r>
+              <a:rPr lang="it-IT" dirty="0" smtClean="0"/>
+              <a:t>and </a:t>
+            </a:r>
+            <a:r>
+              <a:rPr lang="it-IT" dirty="0" err="1" smtClean="0"/>
+              <a:t>place</a:t>
+            </a:r>
+            <a:r>
+              <a:rPr lang="it-IT" dirty="0" smtClean="0"/>
+              <a:t> in the </a:t>
+            </a:r>
+            <a:r>
+              <a:rPr lang="it-IT" dirty="0" err="1" smtClean="0"/>
+              <a:t>mockup</a:t>
+            </a:r>
+            <a:endParaRPr lang="it-IT" dirty="0" smtClean="0"/>
+          </a:p>
+          <a:p>
+            <a:endParaRPr lang="it-IT" dirty="0"/>
+          </a:p>
+          <a:p>
+            <a:endParaRPr lang="it-IT" dirty="0" smtClean="0"/>
+          </a:p>
+          <a:p>
+            <a:pPr marL="0" indent="0">
+              <a:buNone/>
+            </a:pPr>
+            <a:endParaRPr lang="it-IT" dirty="0" smtClean="0"/>
+          </a:p>
+          <a:p>
+            <a:endParaRPr lang="it-IT" dirty="0"/>
+          </a:p>
+        </p:txBody>
+      </p:sp>
+      <p:sp>
+        <p:nvSpPr>
+          <p:cNvPr id="5" name="Segnaposto numero diapositiva 4"/>
+          <p:cNvSpPr>
+            <a:spLocks noGrp="1"/>
+          </p:cNvSpPr>
+          <p:nvPr>
+            <p:ph type="sldNum" sz="quarter" idx="12"/>
+          </p:nvPr>
+        </p:nvSpPr>
+        <p:spPr/>
+        <p:txBody>
+          <a:bodyPr/>
+          <a:lstStyle/>
+          <a:p>
+            <a:fld id="{D57F1E4F-1CFF-5643-939E-217C01CDF565}" type="slidenum">
+              <a:rPr lang="en-US" smtClean="0"/>
+              <a:pPr/>
+              <a:t>43</a:t>
+            </a:fld>
+            <a:endParaRPr lang="en-US" dirty="0"/>
+          </a:p>
+        </p:txBody>
+      </p:sp>
+      <p:pic>
+        <p:nvPicPr>
+          <p:cNvPr id="6" name="Immagine 5"/>
+          <p:cNvPicPr>
+            <a:picLocks noChangeAspect="1"/>
+          </p:cNvPicPr>
+          <p:nvPr/>
+        </p:nvPicPr>
+        <p:blipFill>
+          <a:blip r:embed="rId2"/>
+          <a:stretch>
+            <a:fillRect/>
+          </a:stretch>
+        </p:blipFill>
+        <p:spPr>
+          <a:xfrm>
+            <a:off x="1004765" y="2980622"/>
+            <a:ext cx="2478664" cy="1027738"/>
+          </a:xfrm>
+          <a:prstGeom prst="rect">
+            <a:avLst/>
+          </a:prstGeom>
+        </p:spPr>
+      </p:pic>
+      <p:pic>
+        <p:nvPicPr>
+          <p:cNvPr id="7" name="Immagine 6"/>
+          <p:cNvPicPr>
+            <a:picLocks noChangeAspect="1"/>
+          </p:cNvPicPr>
+          <p:nvPr/>
+        </p:nvPicPr>
+        <p:blipFill>
+          <a:blip r:embed="rId3"/>
+          <a:stretch>
+            <a:fillRect/>
+          </a:stretch>
+        </p:blipFill>
+        <p:spPr>
+          <a:xfrm>
+            <a:off x="1004765" y="4577811"/>
+            <a:ext cx="2028721" cy="1021019"/>
+          </a:xfrm>
+          <a:prstGeom prst="rect">
+            <a:avLst/>
+          </a:prstGeom>
+        </p:spPr>
+      </p:pic>
+      <p:pic>
+        <p:nvPicPr>
+          <p:cNvPr id="8" name="Immagine 7"/>
+          <p:cNvPicPr>
+            <a:picLocks noChangeAspect="1"/>
+          </p:cNvPicPr>
+          <p:nvPr/>
+        </p:nvPicPr>
+        <p:blipFill>
+          <a:blip r:embed="rId4"/>
+          <a:stretch>
+            <a:fillRect/>
+          </a:stretch>
+        </p:blipFill>
+        <p:spPr>
+          <a:xfrm>
+            <a:off x="628650" y="6095419"/>
+            <a:ext cx="3464667" cy="407350"/>
+          </a:xfrm>
+          <a:prstGeom prst="rect">
+            <a:avLst/>
+          </a:prstGeom>
+        </p:spPr>
+      </p:pic>
+      <p:pic>
+        <p:nvPicPr>
+          <p:cNvPr id="10" name="Immagine 9"/>
+          <p:cNvPicPr>
+            <a:picLocks noChangeAspect="1"/>
+          </p:cNvPicPr>
+          <p:nvPr/>
+        </p:nvPicPr>
+        <p:blipFill>
+          <a:blip r:embed="rId5"/>
+          <a:stretch>
+            <a:fillRect/>
+          </a:stretch>
+        </p:blipFill>
+        <p:spPr>
+          <a:xfrm>
+            <a:off x="4514850" y="3951731"/>
+            <a:ext cx="4411919" cy="1136589"/>
+          </a:xfrm>
+          <a:prstGeom prst="rect">
+            <a:avLst/>
+          </a:prstGeom>
+        </p:spPr>
+      </p:pic>
+      <p:pic>
+        <p:nvPicPr>
+          <p:cNvPr id="12" name="Immagine 11"/>
+          <p:cNvPicPr>
+            <a:picLocks noChangeAspect="1"/>
+          </p:cNvPicPr>
+          <p:nvPr/>
+        </p:nvPicPr>
+        <p:blipFill>
+          <a:blip r:embed="rId6"/>
+          <a:stretch>
+            <a:fillRect/>
+          </a:stretch>
+        </p:blipFill>
+        <p:spPr>
+          <a:xfrm>
+            <a:off x="4651363" y="4118000"/>
+            <a:ext cx="2999423" cy="402025"/>
+          </a:xfrm>
+          <a:prstGeom prst="rect">
+            <a:avLst/>
+          </a:prstGeom>
+        </p:spPr>
+      </p:pic>
+    </p:spTree>
+    <p:extLst>
+      <p:ext uri="{BB962C8B-B14F-4D97-AF65-F5344CB8AC3E}">
+        <p14:creationId xmlns:p14="http://schemas.microsoft.com/office/powerpoint/2010/main" val="1058146623"/>
+      </p:ext>
+    </p:extLst>
+  </p:cSld>
+  <p:clrMapOvr>
+    <a:masterClrMapping/>
+  </p:clrMapOvr>
+  <p:timing>
+    <p:tnLst>
+      <p:par>
+        <p:cTn xmlns:p14="http://schemas.microsoft.com/office/powerpoint/2010/main" id="1" dur="indefinite" restart="never" nodeType="tmRoot"/>
+      </p:par>
+    </p:tnLst>
+  </p:timing>
+</p:sld>
+</file>
+
+<file path=ppt/slides/slide44.xml><?xml version="1.0" encoding="utf-8"?>
+<p:sld xmlns:a="http://schemas.openxmlformats.org/drawingml/2006/main" xmlns:r="http://schemas.openxmlformats.org/officeDocument/2006/relationships" xmlns:p="http://schemas.openxmlformats.org/presentationml/2006/main">
+  <p:cSld>
+    <p:spTree>
+      <p:nvGrpSpPr>
+        <p:cNvPr id="1" name=""/>
+        <p:cNvGrpSpPr/>
+        <p:nvPr/>
+      </p:nvGrpSpPr>
+      <p:grpSpPr>
+        <a:xfrm>
+          <a:off x="0" y="0"/>
+          <a:ext cx="0" cy="0"/>
+          <a:chOff x="0" y="0"/>
+          <a:chExt cx="0" cy="0"/>
+        </a:xfrm>
+      </p:grpSpPr>
+      <p:sp>
+        <p:nvSpPr>
+          <p:cNvPr id="6" name="Titolo 5"/>
+          <p:cNvSpPr>
+            <a:spLocks noGrp="1"/>
+          </p:cNvSpPr>
+          <p:nvPr>
+            <p:ph type="title"/>
+          </p:nvPr>
+        </p:nvSpPr>
+        <p:spPr/>
+        <p:txBody>
+          <a:bodyPr/>
+          <a:lstStyle/>
+          <a:p>
+            <a:r>
+              <a:rPr lang="it-IT" dirty="0" smtClean="0"/>
+              <a:t>Cache &amp; </a:t>
+            </a:r>
+            <a:r>
+              <a:rPr lang="it-IT" dirty="0" err="1" smtClean="0"/>
+              <a:t>Dependencies</a:t>
+            </a:r>
+            <a:endParaRPr lang="it-IT" dirty="0"/>
+          </a:p>
+        </p:txBody>
+      </p:sp>
+      <p:sp>
+        <p:nvSpPr>
+          <p:cNvPr id="7" name="Segnaposto testo 6"/>
+          <p:cNvSpPr>
+            <a:spLocks noGrp="1"/>
+          </p:cNvSpPr>
+          <p:nvPr>
+            <p:ph type="body" idx="1"/>
+          </p:nvPr>
+        </p:nvSpPr>
+        <p:spPr/>
+        <p:txBody>
+          <a:bodyPr/>
+          <a:lstStyle/>
+          <a:p>
+            <a:r>
+              <a:rPr lang="it-IT" dirty="0" err="1" smtClean="0"/>
+              <a:t>Speed</a:t>
+            </a:r>
+            <a:r>
+              <a:rPr lang="it-IT" dirty="0" smtClean="0"/>
+              <a:t> up </a:t>
+            </a:r>
+            <a:r>
+              <a:rPr lang="it-IT" dirty="0" err="1" smtClean="0"/>
+              <a:t>your</a:t>
+            </a:r>
+            <a:r>
+              <a:rPr lang="it-IT" dirty="0" smtClean="0"/>
+              <a:t> </a:t>
+            </a:r>
+            <a:r>
+              <a:rPr lang="it-IT" dirty="0" err="1" smtClean="0"/>
+              <a:t>WebCenter</a:t>
+            </a:r>
+            <a:r>
+              <a:rPr lang="it-IT" dirty="0" smtClean="0"/>
+              <a:t> </a:t>
+            </a:r>
+            <a:r>
+              <a:rPr lang="it-IT" dirty="0" err="1" smtClean="0"/>
+              <a:t>SIte</a:t>
+            </a:r>
+            <a:endParaRPr lang="it-IT" dirty="0"/>
+          </a:p>
+        </p:txBody>
+      </p:sp>
+      <p:sp>
+        <p:nvSpPr>
+          <p:cNvPr id="5" name="Segnaposto numero diapositiva 4"/>
+          <p:cNvSpPr>
+            <a:spLocks noGrp="1"/>
+          </p:cNvSpPr>
+          <p:nvPr>
+            <p:ph type="sldNum" sz="quarter" idx="12"/>
+          </p:nvPr>
+        </p:nvSpPr>
+        <p:spPr/>
+        <p:txBody>
+          <a:bodyPr/>
+          <a:lstStyle/>
+          <a:p>
+            <a:fld id="{D57F1E4F-1CFF-5643-939E-217C01CDF565}" type="slidenum">
+              <a:rPr lang="en-US" smtClean="0"/>
+              <a:pPr/>
+              <a:t>44</a:t>
+            </a:fld>
+            <a:endParaRPr lang="en-US" dirty="0"/>
+          </a:p>
+        </p:txBody>
+      </p:sp>
+    </p:spTree>
+    <p:extLst>
+      <p:ext uri="{BB962C8B-B14F-4D97-AF65-F5344CB8AC3E}">
+        <p14:creationId xmlns:p14="http://schemas.microsoft.com/office/powerpoint/2010/main" val="2736934635"/>
+      </p:ext>
+    </p:extLst>
+  </p:cSld>
+  <p:clrMapOvr>
+    <a:masterClrMapping/>
+  </p:clrMapOvr>
+  <p:timing>
+    <p:tnLst>
+      <p:par>
+        <p:cTn xmlns:p14="http://schemas.microsoft.com/office/powerpoint/2010/main" id="1" dur="indefinite" restart="never" nodeType="tmRoot"/>
+      </p:par>
+    </p:tnLst>
+  </p:timing>
+</p:sld>
+</file>
+
+<file path=ppt/slides/slide45.xml><?xml version="1.0" encoding="utf-8"?>
+<p:sld xmlns:a="http://schemas.openxmlformats.org/drawingml/2006/main" xmlns:r="http://schemas.openxmlformats.org/officeDocument/2006/relationships" xmlns:p="http://schemas.openxmlformats.org/presentationml/2006/main">
+  <p:cSld>
+    <p:spTree>
+      <p:nvGrpSpPr>
+        <p:cNvPr id="1" name=""/>
+        <p:cNvGrpSpPr/>
+        <p:nvPr/>
+      </p:nvGrpSpPr>
+      <p:grpSpPr>
+        <a:xfrm>
+          <a:off x="0" y="0"/>
+          <a:ext cx="0" cy="0"/>
+          <a:chOff x="0" y="0"/>
+          <a:chExt cx="0" cy="0"/>
+        </a:xfrm>
+      </p:grpSpPr>
+      <p:sp>
+        <p:nvSpPr>
+          <p:cNvPr id="12" name="Rettangolo 11"/>
+          <p:cNvSpPr/>
+          <p:nvPr/>
+        </p:nvSpPr>
+        <p:spPr>
+          <a:xfrm>
+            <a:off x="246743" y="2438400"/>
+            <a:ext cx="8661587" cy="4151086"/>
+          </a:xfrm>
+          <a:prstGeom prst="rect">
+            <a:avLst/>
+          </a:prstGeom>
+        </p:spPr>
+        <p:style>
+          <a:lnRef idx="2">
+            <a:schemeClr val="dk1"/>
+          </a:lnRef>
+          <a:fillRef idx="1">
+            <a:schemeClr val="lt1"/>
+          </a:fillRef>
+          <a:effectRef idx="0">
+            <a:schemeClr val="dk1"/>
+          </a:effectRef>
+          <a:fontRef idx="minor">
+            <a:schemeClr val="dk1"/>
+          </a:fontRef>
+        </p:style>
+        <p:txBody>
+          <a:bodyPr rtlCol="0" anchor="ctr"/>
+          <a:lstStyle/>
+          <a:p>
+            <a:pPr algn="ctr"/>
+            <a:endParaRPr lang="it-IT"/>
+          </a:p>
+        </p:txBody>
+      </p:sp>
+      <p:sp>
+        <p:nvSpPr>
+          <p:cNvPr id="6" name="Titolo 5"/>
+          <p:cNvSpPr>
+            <a:spLocks noGrp="1"/>
+          </p:cNvSpPr>
+          <p:nvPr>
+            <p:ph type="title"/>
+          </p:nvPr>
+        </p:nvSpPr>
+        <p:spPr/>
+        <p:txBody>
+          <a:bodyPr/>
+          <a:lstStyle/>
+          <a:p>
+            <a:r>
+              <a:rPr lang="it-IT" dirty="0" smtClean="0"/>
+              <a:t>Multiple cache in </a:t>
+            </a:r>
+            <a:r>
+              <a:rPr lang="it-IT" dirty="0" err="1" smtClean="0"/>
+              <a:t>Sites</a:t>
+            </a:r>
+            <a:endParaRPr lang="it-IT" dirty="0"/>
+          </a:p>
+        </p:txBody>
+      </p:sp>
+      <p:pic>
+        <p:nvPicPr>
+          <p:cNvPr id="11" name="Segnaposto contenuto 10"/>
+          <p:cNvPicPr>
+            <a:picLocks noGrp="1" noChangeAspect="1"/>
+          </p:cNvPicPr>
+          <p:nvPr>
+            <p:ph idx="1"/>
+          </p:nvPr>
+        </p:nvPicPr>
+        <p:blipFill>
+          <a:blip r:embed="rId2"/>
+          <a:stretch>
+            <a:fillRect/>
+          </a:stretch>
+        </p:blipFill>
+        <p:spPr>
+          <a:xfrm>
+            <a:off x="628650" y="3048732"/>
+            <a:ext cx="7886700" cy="3150681"/>
+          </a:xfrm>
+          <a:prstGeom prst="rect">
+            <a:avLst/>
+          </a:prstGeom>
+        </p:spPr>
+      </p:pic>
+      <p:sp>
+        <p:nvSpPr>
+          <p:cNvPr id="5" name="Segnaposto numero diapositiva 4"/>
+          <p:cNvSpPr>
+            <a:spLocks noGrp="1"/>
+          </p:cNvSpPr>
+          <p:nvPr>
+            <p:ph type="sldNum" sz="quarter" idx="12"/>
+          </p:nvPr>
+        </p:nvSpPr>
+        <p:spPr/>
+        <p:txBody>
+          <a:bodyPr/>
+          <a:lstStyle/>
+          <a:p>
+            <a:fld id="{D57F1E4F-1CFF-5643-939E-217C01CDF565}" type="slidenum">
+              <a:rPr lang="en-US" smtClean="0"/>
+              <a:pPr/>
+              <a:t>45</a:t>
+            </a:fld>
+            <a:endParaRPr lang="en-US" dirty="0"/>
+          </a:p>
+        </p:txBody>
+      </p:sp>
+    </p:spTree>
+    <p:extLst>
+      <p:ext uri="{BB962C8B-B14F-4D97-AF65-F5344CB8AC3E}">
+        <p14:creationId xmlns:p14="http://schemas.microsoft.com/office/powerpoint/2010/main" val="890001382"/>
+      </p:ext>
+    </p:extLst>
+  </p:cSld>
+  <p:clrMapOvr>
+    <a:masterClrMapping/>
+  </p:clrMapOvr>
+  <p:timing>
+    <p:tnLst>
+      <p:par>
+        <p:cTn xmlns:p14="http://schemas.microsoft.com/office/powerpoint/2010/main" id="1" dur="indefinite" restart="never" nodeType="tmRoot"/>
+      </p:par>
+    </p:tnLst>
+  </p:timing>
+</p:sld>
+</file>
+
+<file path=ppt/slides/slide46.xml><?xml version="1.0" encoding="utf-8"?>
+<p:sld xmlns:a="http://schemas.openxmlformats.org/drawingml/2006/main" xmlns:r="http://schemas.openxmlformats.org/officeDocument/2006/relationships" xmlns:p="http://schemas.openxmlformats.org/presentationml/2006/main">
+  <p:cSld>
+    <p:spTree>
+      <p:nvGrpSpPr>
+        <p:cNvPr id="1" name=""/>
+        <p:cNvGrpSpPr/>
+        <p:nvPr/>
+      </p:nvGrpSpPr>
+      <p:grpSpPr>
+        <a:xfrm>
+          <a:off x="0" y="0"/>
+          <a:ext cx="0" cy="0"/>
+          <a:chOff x="0" y="0"/>
+          <a:chExt cx="0" cy="0"/>
+        </a:xfrm>
+      </p:grpSpPr>
+      <p:sp>
+        <p:nvSpPr>
+          <p:cNvPr id="10" name="Titolo 9"/>
+          <p:cNvSpPr>
+            <a:spLocks noGrp="1"/>
+          </p:cNvSpPr>
+          <p:nvPr>
+            <p:ph type="title"/>
+          </p:nvPr>
+        </p:nvSpPr>
+        <p:spPr>
+          <a:xfrm>
+            <a:off x="406400" y="961975"/>
+            <a:ext cx="8325766" cy="1325563"/>
+          </a:xfrm>
+        </p:spPr>
+        <p:txBody>
+          <a:bodyPr/>
+          <a:lstStyle/>
+          <a:p>
+            <a:r>
+              <a:rPr lang="it-IT" dirty="0" smtClean="0"/>
+              <a:t>Satellite Page(</a:t>
+            </a:r>
+            <a:r>
+              <a:rPr lang="it-IT" dirty="0" err="1" smtClean="0"/>
+              <a:t>let</a:t>
+            </a:r>
+            <a:r>
+              <a:rPr lang="it-IT" dirty="0" smtClean="0"/>
+              <a:t>) and blob Cache</a:t>
+            </a:r>
+            <a:endParaRPr lang="it-IT" dirty="0"/>
+          </a:p>
+        </p:txBody>
+      </p:sp>
+      <p:pic>
+        <p:nvPicPr>
+          <p:cNvPr id="13" name="Segnaposto contenuto 12"/>
+          <p:cNvPicPr>
+            <a:picLocks noGrp="1" noChangeAspect="1"/>
+          </p:cNvPicPr>
+          <p:nvPr>
+            <p:ph sz="half" idx="1"/>
+          </p:nvPr>
+        </p:nvPicPr>
+        <p:blipFill>
+          <a:blip r:embed="rId2"/>
+          <a:stretch>
+            <a:fillRect/>
+          </a:stretch>
+        </p:blipFill>
+        <p:spPr>
+          <a:xfrm>
+            <a:off x="168048" y="2525711"/>
+            <a:ext cx="3152775" cy="3914775"/>
+          </a:xfrm>
+          <a:prstGeom prst="rect">
+            <a:avLst/>
+          </a:prstGeom>
+        </p:spPr>
+      </p:pic>
+      <p:pic>
+        <p:nvPicPr>
+          <p:cNvPr id="14" name="Segnaposto contenuto 13"/>
+          <p:cNvPicPr>
+            <a:picLocks noGrp="1" noChangeAspect="1"/>
+          </p:cNvPicPr>
+          <p:nvPr>
+            <p:ph sz="half" idx="2"/>
+          </p:nvPr>
+        </p:nvPicPr>
+        <p:blipFill>
+          <a:blip r:embed="rId3"/>
+          <a:stretch>
+            <a:fillRect/>
+          </a:stretch>
+        </p:blipFill>
+        <p:spPr>
+          <a:xfrm>
+            <a:off x="5293370" y="2426493"/>
+            <a:ext cx="3650094" cy="4113212"/>
+          </a:xfrm>
+          <a:prstGeom prst="rect">
+            <a:avLst/>
+          </a:prstGeom>
+        </p:spPr>
+      </p:pic>
+      <p:sp>
+        <p:nvSpPr>
+          <p:cNvPr id="4" name="Segnaposto numero diapositiva 3"/>
+          <p:cNvSpPr>
+            <a:spLocks noGrp="1"/>
+          </p:cNvSpPr>
+          <p:nvPr>
+            <p:ph type="sldNum" sz="quarter" idx="12"/>
+          </p:nvPr>
+        </p:nvSpPr>
+        <p:spPr/>
+        <p:txBody>
+          <a:bodyPr/>
+          <a:lstStyle/>
+          <a:p>
+            <a:fld id="{D57F1E4F-1CFF-5643-939E-217C01CDF565}" type="slidenum">
+              <a:rPr lang="en-US" smtClean="0"/>
+              <a:pPr/>
+              <a:t>46</a:t>
+            </a:fld>
+            <a:endParaRPr lang="en-US" dirty="0"/>
+          </a:p>
+        </p:txBody>
+      </p:sp>
+      <p:pic>
+        <p:nvPicPr>
+          <p:cNvPr id="16" name="Immagine 15"/>
+          <p:cNvPicPr>
+            <a:picLocks noChangeAspect="1"/>
+          </p:cNvPicPr>
+          <p:nvPr/>
+        </p:nvPicPr>
+        <p:blipFill>
+          <a:blip r:embed="rId4"/>
+          <a:stretch>
+            <a:fillRect/>
+          </a:stretch>
+        </p:blipFill>
+        <p:spPr>
+          <a:xfrm>
+            <a:off x="3421271" y="2944810"/>
+            <a:ext cx="1771650" cy="3076575"/>
+          </a:xfrm>
+          <a:prstGeom prst="rect">
+            <a:avLst/>
+          </a:prstGeom>
+        </p:spPr>
+      </p:pic>
+    </p:spTree>
+    <p:extLst>
+      <p:ext uri="{BB962C8B-B14F-4D97-AF65-F5344CB8AC3E}">
+        <p14:creationId xmlns:p14="http://schemas.microsoft.com/office/powerpoint/2010/main" val="971579406"/>
+      </p:ext>
+    </p:extLst>
+  </p:cSld>
+  <p:clrMapOvr>
+    <a:masterClrMapping/>
+  </p:clrMapOvr>
+  <p:timing>
+    <p:tnLst>
+      <p:par>
+        <p:cTn xmlns:p14="http://schemas.microsoft.com/office/powerpoint/2010/main" id="1" dur="indefinite" restart="never" nodeType="tmRoot"/>
+      </p:par>
+    </p:tnLst>
+  </p:timing>
+</p:sld>
+</file>
+
+<file path=ppt/slides/slide47.xml><?xml version="1.0" encoding="utf-8"?>
+<p:sld xmlns:a="http://schemas.openxmlformats.org/drawingml/2006/main" xmlns:r="http://schemas.openxmlformats.org/officeDocument/2006/relationships" xmlns:p="http://schemas.openxmlformats.org/presentationml/2006/main">
+  <p:cSld>
+    <p:spTree>
+      <p:nvGrpSpPr>
+        <p:cNvPr id="1" name=""/>
+        <p:cNvGrpSpPr/>
+        <p:nvPr/>
+      </p:nvGrpSpPr>
+      <p:grpSpPr>
+        <a:xfrm>
+          <a:off x="0" y="0"/>
+          <a:ext cx="0" cy="0"/>
+          <a:chOff x="0" y="0"/>
+          <a:chExt cx="0" cy="0"/>
+        </a:xfrm>
+      </p:grpSpPr>
+      <p:sp>
+        <p:nvSpPr>
+          <p:cNvPr id="2" name="Titolo 1"/>
+          <p:cNvSpPr>
+            <a:spLocks noGrp="1"/>
+          </p:cNvSpPr>
+          <p:nvPr>
+            <p:ph type="title"/>
+          </p:nvPr>
+        </p:nvSpPr>
+        <p:spPr/>
+        <p:txBody>
+          <a:bodyPr/>
+          <a:lstStyle/>
+          <a:p>
+            <a:r>
+              <a:rPr lang="it-IT" dirty="0" err="1" smtClean="0"/>
+              <a:t>Sites</a:t>
+            </a:r>
+            <a:r>
+              <a:rPr lang="it-IT" dirty="0" smtClean="0"/>
+              <a:t> Page(</a:t>
+            </a:r>
+            <a:r>
+              <a:rPr lang="it-IT" dirty="0" err="1" smtClean="0"/>
+              <a:t>let</a:t>
+            </a:r>
+            <a:r>
+              <a:rPr lang="it-IT" dirty="0" smtClean="0"/>
+              <a:t>) cache</a:t>
+            </a:r>
+            <a:endParaRPr lang="it-IT" dirty="0"/>
+          </a:p>
+        </p:txBody>
+      </p:sp>
+      <p:pic>
+        <p:nvPicPr>
+          <p:cNvPr id="6" name="Segnaposto contenuto 5"/>
+          <p:cNvPicPr>
+            <a:picLocks noGrp="1" noChangeAspect="1"/>
+          </p:cNvPicPr>
+          <p:nvPr>
+            <p:ph sz="half" idx="1"/>
+          </p:nvPr>
+        </p:nvPicPr>
+        <p:blipFill>
+          <a:blip r:embed="rId2"/>
+          <a:stretch>
+            <a:fillRect/>
+          </a:stretch>
+        </p:blipFill>
+        <p:spPr>
+          <a:xfrm>
+            <a:off x="325665" y="2627179"/>
+            <a:ext cx="2895600" cy="3629025"/>
+          </a:xfrm>
+          <a:prstGeom prst="rect">
+            <a:avLst/>
+          </a:prstGeom>
+        </p:spPr>
+      </p:pic>
+      <p:pic>
+        <p:nvPicPr>
+          <p:cNvPr id="8" name="Segnaposto contenuto 7"/>
+          <p:cNvPicPr>
+            <a:picLocks noGrp="1" noChangeAspect="1"/>
+          </p:cNvPicPr>
+          <p:nvPr>
+            <p:ph sz="half" idx="2"/>
+          </p:nvPr>
+        </p:nvPicPr>
+        <p:blipFill>
+          <a:blip r:embed="rId3"/>
+          <a:stretch>
+            <a:fillRect/>
+          </a:stretch>
+        </p:blipFill>
+        <p:spPr>
+          <a:xfrm>
+            <a:off x="5404037" y="3625697"/>
+            <a:ext cx="3328129" cy="1631985"/>
+          </a:xfrm>
+          <a:prstGeom prst="rect">
+            <a:avLst/>
+          </a:prstGeom>
+        </p:spPr>
+      </p:pic>
+      <p:sp>
+        <p:nvSpPr>
+          <p:cNvPr id="5" name="Segnaposto numero diapositiva 4"/>
+          <p:cNvSpPr>
+            <a:spLocks noGrp="1"/>
+          </p:cNvSpPr>
+          <p:nvPr>
+            <p:ph type="sldNum" sz="quarter" idx="12"/>
+          </p:nvPr>
+        </p:nvSpPr>
+        <p:spPr/>
+        <p:txBody>
+          <a:bodyPr/>
+          <a:lstStyle/>
+          <a:p>
+            <a:fld id="{D57F1E4F-1CFF-5643-939E-217C01CDF565}" type="slidenum">
+              <a:rPr lang="en-US" smtClean="0"/>
+              <a:pPr/>
+              <a:t>47</a:t>
+            </a:fld>
+            <a:endParaRPr lang="en-US" dirty="0"/>
+          </a:p>
+        </p:txBody>
+      </p:sp>
+      <p:pic>
+        <p:nvPicPr>
+          <p:cNvPr id="7" name="Immagine 6"/>
+          <p:cNvPicPr>
+            <a:picLocks noChangeAspect="1"/>
+          </p:cNvPicPr>
+          <p:nvPr/>
+        </p:nvPicPr>
+        <p:blipFill>
+          <a:blip r:embed="rId4"/>
+          <a:stretch>
+            <a:fillRect/>
+          </a:stretch>
+        </p:blipFill>
+        <p:spPr>
+          <a:xfrm>
+            <a:off x="3395436" y="2893878"/>
+            <a:ext cx="1905000" cy="3095625"/>
+          </a:xfrm>
+          <a:prstGeom prst="rect">
+            <a:avLst/>
+          </a:prstGeom>
+        </p:spPr>
+      </p:pic>
+    </p:spTree>
+    <p:extLst>
+      <p:ext uri="{BB962C8B-B14F-4D97-AF65-F5344CB8AC3E}">
+        <p14:creationId xmlns:p14="http://schemas.microsoft.com/office/powerpoint/2010/main" val="90403158"/>
+      </p:ext>
+    </p:extLst>
+  </p:cSld>
+  <p:clrMapOvr>
+    <a:masterClrMapping/>
+  </p:clrMapOvr>
+  <p:timing>
+    <p:tnLst>
+      <p:par>
+        <p:cTn xmlns:p14="http://schemas.microsoft.com/office/powerpoint/2010/main" id="1" dur="indefinite" restart="never" nodeType="tmRoot"/>
+      </p:par>
+    </p:tnLst>
+  </p:timing>
+</p:sld>
+</file>
+
+<file path=ppt/slides/slide48.xml><?xml version="1.0" encoding="utf-8"?>
+<p:sld xmlns:a="http://schemas.openxmlformats.org/drawingml/2006/main" xmlns:r="http://schemas.openxmlformats.org/officeDocument/2006/relationships" xmlns:p="http://schemas.openxmlformats.org/presentationml/2006/main">
+  <p:cSld>
+    <p:spTree>
+      <p:nvGrpSpPr>
+        <p:cNvPr id="1" name=""/>
+        <p:cNvGrpSpPr/>
+        <p:nvPr/>
+      </p:nvGrpSpPr>
+      <p:grpSpPr>
+        <a:xfrm>
+          <a:off x="0" y="0"/>
+          <a:ext cx="0" cy="0"/>
+          <a:chOff x="0" y="0"/>
+          <a:chExt cx="0" cy="0"/>
+        </a:xfrm>
+      </p:grpSpPr>
+      <p:sp>
+        <p:nvSpPr>
+          <p:cNvPr id="2" name="Titolo 1"/>
+          <p:cNvSpPr>
+            <a:spLocks noGrp="1"/>
+          </p:cNvSpPr>
+          <p:nvPr>
+            <p:ph type="title"/>
+          </p:nvPr>
+        </p:nvSpPr>
+        <p:spPr/>
+        <p:txBody>
+          <a:bodyPr/>
+          <a:lstStyle/>
+          <a:p>
+            <a:r>
+              <a:rPr lang="it-IT" dirty="0" err="1" smtClean="0"/>
+              <a:t>Asset</a:t>
+            </a:r>
+            <a:r>
+              <a:rPr lang="it-IT" dirty="0" smtClean="0"/>
+              <a:t> (</a:t>
+            </a:r>
+            <a:r>
+              <a:rPr lang="it-IT" dirty="0" err="1" smtClean="0"/>
+              <a:t>pojo</a:t>
+            </a:r>
+            <a:r>
+              <a:rPr lang="it-IT" dirty="0"/>
+              <a:t>)</a:t>
+            </a:r>
+            <a:r>
+              <a:rPr lang="it-IT" dirty="0" smtClean="0"/>
+              <a:t> Cache</a:t>
+            </a:r>
+            <a:endParaRPr lang="it-IT" dirty="0"/>
+          </a:p>
+        </p:txBody>
+      </p:sp>
+      <p:pic>
+        <p:nvPicPr>
+          <p:cNvPr id="7" name="Segnaposto contenuto 6"/>
+          <p:cNvPicPr>
+            <a:picLocks noGrp="1" noChangeAspect="1"/>
+          </p:cNvPicPr>
+          <p:nvPr>
+            <p:ph sz="half" idx="1"/>
+          </p:nvPr>
+        </p:nvPicPr>
+        <p:blipFill>
+          <a:blip r:embed="rId2"/>
+          <a:stretch>
+            <a:fillRect/>
+          </a:stretch>
+        </p:blipFill>
+        <p:spPr>
+          <a:xfrm>
+            <a:off x="1119414" y="2627179"/>
+            <a:ext cx="1714500" cy="3533775"/>
+          </a:xfrm>
+          <a:prstGeom prst="rect">
+            <a:avLst/>
+          </a:prstGeom>
+        </p:spPr>
+      </p:pic>
+      <p:pic>
+        <p:nvPicPr>
+          <p:cNvPr id="6" name="Segnaposto contenuto 5"/>
+          <p:cNvPicPr>
+            <a:picLocks noGrp="1" noChangeAspect="1"/>
+          </p:cNvPicPr>
+          <p:nvPr>
+            <p:ph sz="half" idx="2"/>
+          </p:nvPr>
+        </p:nvPicPr>
+        <p:blipFill>
+          <a:blip r:embed="rId3"/>
+          <a:stretch>
+            <a:fillRect/>
+          </a:stretch>
+        </p:blipFill>
+        <p:spPr>
+          <a:xfrm>
+            <a:off x="5241924" y="3432041"/>
+            <a:ext cx="3095625" cy="1924050"/>
+          </a:xfrm>
+          <a:prstGeom prst="rect">
+            <a:avLst/>
+          </a:prstGeom>
+        </p:spPr>
+      </p:pic>
+      <p:sp>
+        <p:nvSpPr>
+          <p:cNvPr id="5" name="Segnaposto numero diapositiva 4"/>
+          <p:cNvSpPr>
+            <a:spLocks noGrp="1"/>
+          </p:cNvSpPr>
+          <p:nvPr>
+            <p:ph type="sldNum" sz="quarter" idx="12"/>
+          </p:nvPr>
+        </p:nvSpPr>
+        <p:spPr/>
+        <p:txBody>
+          <a:bodyPr/>
+          <a:lstStyle/>
+          <a:p>
+            <a:fld id="{D57F1E4F-1CFF-5643-939E-217C01CDF565}" type="slidenum">
+              <a:rPr lang="en-US" smtClean="0"/>
+              <a:pPr/>
+              <a:t>48</a:t>
+            </a:fld>
+            <a:endParaRPr lang="en-US" dirty="0"/>
+          </a:p>
+        </p:txBody>
+      </p:sp>
+      <p:pic>
+        <p:nvPicPr>
+          <p:cNvPr id="8" name="Immagine 7"/>
+          <p:cNvPicPr>
+            <a:picLocks noChangeAspect="1"/>
+          </p:cNvPicPr>
+          <p:nvPr/>
+        </p:nvPicPr>
+        <p:blipFill>
+          <a:blip r:embed="rId4"/>
+          <a:stretch>
+            <a:fillRect/>
+          </a:stretch>
+        </p:blipFill>
+        <p:spPr>
+          <a:xfrm>
+            <a:off x="3047319" y="2841491"/>
+            <a:ext cx="1981200" cy="3105150"/>
+          </a:xfrm>
+          <a:prstGeom prst="rect">
+            <a:avLst/>
+          </a:prstGeom>
+        </p:spPr>
+      </p:pic>
+    </p:spTree>
+    <p:extLst>
+      <p:ext uri="{BB962C8B-B14F-4D97-AF65-F5344CB8AC3E}">
+        <p14:creationId xmlns:p14="http://schemas.microsoft.com/office/powerpoint/2010/main" val="324513021"/>
+      </p:ext>
+    </p:extLst>
+  </p:cSld>
+  <p:clrMapOvr>
+    <a:masterClrMapping/>
+  </p:clrMapOvr>
+  <p:timing>
+    <p:tnLst>
+      <p:par>
+        <p:cTn xmlns:p14="http://schemas.microsoft.com/office/powerpoint/2010/main" id="1" dur="indefinite" restart="never" nodeType="tmRoot"/>
+      </p:par>
+    </p:tnLst>
+  </p:timing>
+</p:sld>
+</file>
+
+<file path=ppt/slides/slide49.xml><?xml version="1.0" encoding="utf-8"?>
+<p:sld xmlns:a="http://schemas.openxmlformats.org/drawingml/2006/main" xmlns:r="http://schemas.openxmlformats.org/officeDocument/2006/relationships" xmlns:p="http://schemas.openxmlformats.org/presentationml/2006/main">
+  <p:cSld>
+    <p:spTree>
+      <p:nvGrpSpPr>
+        <p:cNvPr id="1" name=""/>
+        <p:cNvGrpSpPr/>
+        <p:nvPr/>
+      </p:nvGrpSpPr>
+      <p:grpSpPr>
+        <a:xfrm>
+          <a:off x="0" y="0"/>
+          <a:ext cx="0" cy="0"/>
+          <a:chOff x="0" y="0"/>
+          <a:chExt cx="0" cy="0"/>
+        </a:xfrm>
+      </p:grpSpPr>
+      <p:sp>
+        <p:nvSpPr>
+          <p:cNvPr id="2" name="Titolo 1"/>
+          <p:cNvSpPr>
+            <a:spLocks noGrp="1"/>
+          </p:cNvSpPr>
+          <p:nvPr>
+            <p:ph type="title"/>
+          </p:nvPr>
+        </p:nvSpPr>
+        <p:spPr/>
+        <p:txBody>
+          <a:bodyPr/>
+          <a:lstStyle/>
+          <a:p>
+            <a:r>
+              <a:rPr lang="it-IT" dirty="0" err="1" smtClean="0"/>
+              <a:t>ResultSet</a:t>
+            </a:r>
+            <a:r>
+              <a:rPr lang="it-IT" dirty="0" smtClean="0"/>
+              <a:t> (</a:t>
+            </a:r>
+            <a:r>
+              <a:rPr lang="it-IT" dirty="0" err="1" smtClean="0"/>
+              <a:t>table</a:t>
+            </a:r>
+            <a:r>
+              <a:rPr lang="it-IT" dirty="0" smtClean="0"/>
+              <a:t>) cache</a:t>
+            </a:r>
+            <a:endParaRPr lang="it-IT" dirty="0"/>
+          </a:p>
+        </p:txBody>
+      </p:sp>
+      <p:pic>
+        <p:nvPicPr>
+          <p:cNvPr id="9" name="Segnaposto contenuto 8"/>
+          <p:cNvPicPr>
+            <a:picLocks noGrp="1" noChangeAspect="1"/>
+          </p:cNvPicPr>
+          <p:nvPr>
+            <p:ph sz="half" idx="1"/>
+          </p:nvPr>
+        </p:nvPicPr>
+        <p:blipFill>
+          <a:blip r:embed="rId2"/>
+          <a:stretch>
+            <a:fillRect/>
+          </a:stretch>
+        </p:blipFill>
+        <p:spPr>
+          <a:xfrm>
+            <a:off x="5089983" y="2823637"/>
+            <a:ext cx="3886200" cy="3083703"/>
+          </a:xfrm>
+          <a:prstGeom prst="rect">
+            <a:avLst/>
+          </a:prstGeom>
+        </p:spPr>
+      </p:pic>
+      <p:pic>
+        <p:nvPicPr>
+          <p:cNvPr id="6" name="Segnaposto contenuto 5"/>
+          <p:cNvPicPr>
+            <a:picLocks noGrp="1" noChangeAspect="1"/>
+          </p:cNvPicPr>
+          <p:nvPr>
+            <p:ph sz="half" idx="2"/>
+          </p:nvPr>
+        </p:nvPicPr>
+        <p:blipFill>
+          <a:blip r:embed="rId3"/>
+          <a:stretch>
+            <a:fillRect/>
+          </a:stretch>
+        </p:blipFill>
+        <p:spPr>
+          <a:xfrm>
+            <a:off x="382816" y="2408103"/>
+            <a:ext cx="2371725" cy="3914775"/>
+          </a:xfrm>
+          <a:prstGeom prst="rect">
+            <a:avLst/>
+          </a:prstGeom>
+        </p:spPr>
+      </p:pic>
+      <p:sp>
+        <p:nvSpPr>
+          <p:cNvPr id="5" name="Segnaposto numero diapositiva 4"/>
+          <p:cNvSpPr>
+            <a:spLocks noGrp="1"/>
+          </p:cNvSpPr>
+          <p:nvPr>
+            <p:ph type="sldNum" sz="quarter" idx="12"/>
+          </p:nvPr>
+        </p:nvSpPr>
+        <p:spPr/>
+        <p:txBody>
+          <a:bodyPr/>
+          <a:lstStyle/>
+          <a:p>
+            <a:fld id="{D57F1E4F-1CFF-5643-939E-217C01CDF565}" type="slidenum">
+              <a:rPr lang="en-US" smtClean="0"/>
+              <a:pPr/>
+              <a:t>49</a:t>
+            </a:fld>
+            <a:endParaRPr lang="en-US" dirty="0"/>
+          </a:p>
+        </p:txBody>
+      </p:sp>
+      <p:pic>
+        <p:nvPicPr>
+          <p:cNvPr id="7" name="Immagine 6"/>
+          <p:cNvPicPr>
+            <a:picLocks noChangeAspect="1"/>
+          </p:cNvPicPr>
+          <p:nvPr/>
+        </p:nvPicPr>
+        <p:blipFill>
+          <a:blip r:embed="rId4"/>
+          <a:stretch>
+            <a:fillRect/>
+          </a:stretch>
+        </p:blipFill>
+        <p:spPr>
+          <a:xfrm>
+            <a:off x="2903087" y="2627177"/>
+            <a:ext cx="2038350" cy="3476625"/>
+          </a:xfrm>
+          <a:prstGeom prst="rect">
+            <a:avLst/>
+          </a:prstGeom>
+        </p:spPr>
+      </p:pic>
+    </p:spTree>
+    <p:extLst>
+      <p:ext uri="{BB962C8B-B14F-4D97-AF65-F5344CB8AC3E}">
+        <p14:creationId xmlns:p14="http://schemas.microsoft.com/office/powerpoint/2010/main" val="2846513341"/>
+      </p:ext>
+    </p:extLst>
+  </p:cSld>
+  <p:clrMapOvr>
+    <a:masterClrMapping/>
+  </p:clrMapOvr>
+  <p:timing>
+    <p:tnLst>
+      <p:par>
+        <p:cTn xmlns:p14="http://schemas.microsoft.com/office/powerpoint/2010/main" id="1" dur="indefinite" restart="never" nodeType="tmRoot"/>
+      </p:par>
+    </p:tnLst>
+  </p:timing>
+</p:sld>
+</file>
+
+<file path=ppt/slides/slide5.xml><?xml version="1.0" encoding="utf-8"?>
+<p:sld xmlns:a="http://schemas.openxmlformats.org/drawingml/2006/main" xmlns:r="http://schemas.openxmlformats.org/officeDocument/2006/relationships" xmlns:p="http://schemas.openxmlformats.org/presentationml/2006/main">
+  <p:cSld>
+    <p:spTree>
+      <p:nvGrpSpPr>
+        <p:cNvPr id="1" name=""/>
+        <p:cNvGrpSpPr/>
+        <p:nvPr/>
+      </p:nvGrpSpPr>
+      <p:grpSpPr>
+        <a:xfrm>
+          <a:off x="0" y="0"/>
+          <a:ext cx="0" cy="0"/>
+          <a:chOff x="0" y="0"/>
+          <a:chExt cx="0" cy="0"/>
+        </a:xfrm>
+      </p:grpSpPr>
+      <p:sp>
+        <p:nvSpPr>
+          <p:cNvPr id="2" name="Titolo 1"/>
+          <p:cNvSpPr>
+            <a:spLocks noGrp="1"/>
+          </p:cNvSpPr>
+          <p:nvPr>
+            <p:ph type="title"/>
+          </p:nvPr>
+        </p:nvSpPr>
+        <p:spPr/>
+        <p:txBody>
+          <a:bodyPr/>
+          <a:lstStyle/>
+          <a:p>
+            <a:r>
+              <a:rPr lang="it-IT" dirty="0" smtClean="0"/>
+              <a:t>Content Model </a:t>
+            </a:r>
+            <a:r>
+              <a:rPr lang="it-IT" dirty="0" err="1" smtClean="0"/>
+              <a:t>is</a:t>
+            </a:r>
+            <a:r>
+              <a:rPr lang="it-IT" dirty="0" smtClean="0"/>
+              <a:t> the </a:t>
+            </a:r>
+            <a:r>
+              <a:rPr lang="it-IT" b="1" dirty="0" err="1" smtClean="0"/>
+              <a:t>king</a:t>
+            </a:r>
+            <a:endParaRPr lang="it-IT" b="1" dirty="0"/>
+          </a:p>
+        </p:txBody>
+      </p:sp>
+      <p:sp>
+        <p:nvSpPr>
+          <p:cNvPr id="3" name="Segnaposto contenuto 2"/>
+          <p:cNvSpPr>
+            <a:spLocks noGrp="1"/>
+          </p:cNvSpPr>
+          <p:nvPr>
+            <p:ph idx="1"/>
+          </p:nvPr>
+        </p:nvSpPr>
+        <p:spPr/>
+        <p:txBody>
+          <a:bodyPr>
+            <a:normAutofit lnSpcReduction="10000"/>
+          </a:bodyPr>
+          <a:lstStyle/>
+          <a:p>
+            <a:r>
+              <a:rPr lang="it-IT" dirty="0" smtClean="0"/>
+              <a:t>A CMS </a:t>
+            </a:r>
+            <a:r>
+              <a:rPr lang="it-IT" dirty="0" err="1" smtClean="0"/>
+              <a:t>is</a:t>
+            </a:r>
+            <a:r>
+              <a:rPr lang="it-IT" dirty="0" smtClean="0"/>
+              <a:t> </a:t>
+            </a:r>
+            <a:r>
+              <a:rPr lang="it-IT" dirty="0" err="1" smtClean="0"/>
+              <a:t>good</a:t>
+            </a:r>
+            <a:r>
+              <a:rPr lang="it-IT" dirty="0" smtClean="0"/>
+              <a:t> </a:t>
+            </a:r>
+            <a:r>
+              <a:rPr lang="it-IT" dirty="0" err="1" smtClean="0"/>
+              <a:t>as</a:t>
+            </a:r>
+            <a:r>
+              <a:rPr lang="it-IT" dirty="0" smtClean="0"/>
+              <a:t> long </a:t>
+            </a:r>
+            <a:r>
+              <a:rPr lang="it-IT" dirty="0" err="1" smtClean="0"/>
+              <a:t>as</a:t>
+            </a:r>
+            <a:r>
+              <a:rPr lang="it-IT" dirty="0" smtClean="0"/>
+              <a:t> </a:t>
+            </a:r>
+            <a:r>
+              <a:rPr lang="it-IT" dirty="0" err="1" smtClean="0"/>
+              <a:t>it</a:t>
+            </a:r>
+            <a:r>
+              <a:rPr lang="it-IT" dirty="0" smtClean="0"/>
+              <a:t> </a:t>
+            </a:r>
+            <a:r>
+              <a:rPr lang="it-IT" dirty="0" err="1" smtClean="0"/>
+              <a:t>is</a:t>
+            </a:r>
+            <a:r>
+              <a:rPr lang="it-IT" dirty="0" smtClean="0"/>
+              <a:t> easy to </a:t>
+            </a:r>
+            <a:r>
+              <a:rPr lang="it-IT" dirty="0" err="1" smtClean="0"/>
+              <a:t>edit</a:t>
+            </a:r>
+            <a:r>
+              <a:rPr lang="it-IT" dirty="0" smtClean="0"/>
+              <a:t> a site</a:t>
+            </a:r>
+          </a:p>
+          <a:p>
+            <a:pPr lvl="1"/>
+            <a:r>
+              <a:rPr lang="it-IT" dirty="0" err="1" smtClean="0"/>
+              <a:t>Hence</a:t>
+            </a:r>
+            <a:r>
+              <a:rPr lang="it-IT" dirty="0" smtClean="0"/>
+              <a:t> </a:t>
+            </a:r>
+            <a:r>
+              <a:rPr lang="it-IT" dirty="0" err="1" smtClean="0"/>
+              <a:t>you</a:t>
+            </a:r>
+            <a:r>
+              <a:rPr lang="it-IT" dirty="0" smtClean="0"/>
+              <a:t> </a:t>
+            </a:r>
+            <a:r>
+              <a:rPr lang="it-IT" dirty="0" err="1" smtClean="0"/>
+              <a:t>need</a:t>
+            </a:r>
+            <a:r>
+              <a:rPr lang="it-IT" dirty="0" smtClean="0"/>
+              <a:t> to design a website </a:t>
+            </a:r>
+            <a:r>
+              <a:rPr lang="it-IT" dirty="0" err="1" smtClean="0"/>
+              <a:t>that</a:t>
+            </a:r>
+            <a:r>
+              <a:rPr lang="it-IT" dirty="0" smtClean="0"/>
+              <a:t> </a:t>
+            </a:r>
+            <a:r>
+              <a:rPr lang="it-IT" dirty="0" err="1" smtClean="0"/>
+              <a:t>is</a:t>
+            </a:r>
+            <a:r>
+              <a:rPr lang="it-IT" dirty="0" smtClean="0"/>
+              <a:t> easy to </a:t>
+            </a:r>
+            <a:r>
+              <a:rPr lang="it-IT" dirty="0" err="1" smtClean="0"/>
+              <a:t>edit</a:t>
+            </a:r>
+            <a:endParaRPr lang="it-IT" dirty="0" smtClean="0"/>
+          </a:p>
+          <a:p>
+            <a:pPr lvl="1"/>
+            <a:r>
+              <a:rPr lang="it-IT" dirty="0" err="1" smtClean="0"/>
+              <a:t>This</a:t>
+            </a:r>
+            <a:r>
+              <a:rPr lang="it-IT" dirty="0" smtClean="0"/>
+              <a:t> </a:t>
+            </a:r>
+            <a:r>
+              <a:rPr lang="it-IT" dirty="0" err="1" smtClean="0"/>
+              <a:t>does</a:t>
+            </a:r>
+            <a:r>
+              <a:rPr lang="it-IT" dirty="0" smtClean="0"/>
+              <a:t> NOT </a:t>
+            </a:r>
+            <a:r>
+              <a:rPr lang="it-IT" dirty="0" err="1" smtClean="0"/>
+              <a:t>translate</a:t>
+            </a:r>
+            <a:r>
+              <a:rPr lang="it-IT" dirty="0" smtClean="0"/>
+              <a:t> in a web site </a:t>
+            </a:r>
+            <a:r>
+              <a:rPr lang="it-IT" dirty="0" err="1" smtClean="0"/>
+              <a:t>that</a:t>
+            </a:r>
+            <a:r>
+              <a:rPr lang="it-IT" dirty="0" smtClean="0"/>
+              <a:t> </a:t>
+            </a:r>
+            <a:r>
+              <a:rPr lang="it-IT" dirty="0" err="1" smtClean="0"/>
+              <a:t>is</a:t>
+            </a:r>
+            <a:r>
+              <a:rPr lang="it-IT" dirty="0" smtClean="0"/>
+              <a:t> easy to </a:t>
+            </a:r>
+            <a:r>
+              <a:rPr lang="it-IT" dirty="0" err="1" smtClean="0"/>
+              <a:t>develop</a:t>
+            </a:r>
+            <a:endParaRPr lang="it-IT" dirty="0" smtClean="0"/>
+          </a:p>
+          <a:p>
+            <a:r>
+              <a:rPr lang="it-IT" dirty="0" smtClean="0"/>
+              <a:t>The </a:t>
+            </a:r>
+            <a:r>
+              <a:rPr lang="it-IT" dirty="0" err="1" smtClean="0"/>
+              <a:t>biggest</a:t>
+            </a:r>
+            <a:r>
+              <a:rPr lang="it-IT" dirty="0" smtClean="0"/>
+              <a:t> </a:t>
+            </a:r>
+            <a:r>
+              <a:rPr lang="it-IT" dirty="0" err="1" smtClean="0"/>
+              <a:t>complain</a:t>
+            </a:r>
+            <a:r>
+              <a:rPr lang="it-IT" dirty="0" smtClean="0"/>
+              <a:t> of end </a:t>
+            </a:r>
+            <a:r>
+              <a:rPr lang="it-IT" dirty="0" err="1" smtClean="0"/>
+              <a:t>user</a:t>
+            </a:r>
+            <a:r>
+              <a:rPr lang="it-IT" dirty="0" smtClean="0"/>
+              <a:t> </a:t>
+            </a:r>
+            <a:r>
+              <a:rPr lang="it-IT" dirty="0" err="1" smtClean="0"/>
+              <a:t>is</a:t>
+            </a:r>
+            <a:r>
+              <a:rPr lang="it-IT" dirty="0" smtClean="0"/>
+              <a:t> </a:t>
+            </a:r>
+            <a:r>
+              <a:rPr lang="it-IT" dirty="0" err="1" smtClean="0"/>
+              <a:t>that</a:t>
+            </a:r>
+            <a:r>
+              <a:rPr lang="it-IT" dirty="0" smtClean="0"/>
+              <a:t> the site </a:t>
+            </a:r>
+            <a:r>
+              <a:rPr lang="it-IT" dirty="0" err="1" smtClean="0"/>
+              <a:t>is</a:t>
+            </a:r>
+            <a:r>
+              <a:rPr lang="it-IT" dirty="0" smtClean="0"/>
+              <a:t> </a:t>
+            </a:r>
+            <a:r>
+              <a:rPr lang="it-IT" dirty="0" err="1" smtClean="0"/>
+              <a:t>awkward</a:t>
+            </a:r>
+            <a:r>
+              <a:rPr lang="it-IT" dirty="0" smtClean="0"/>
+              <a:t> to </a:t>
+            </a:r>
+            <a:r>
+              <a:rPr lang="it-IT" dirty="0" err="1" smtClean="0"/>
+              <a:t>edit</a:t>
+            </a:r>
+            <a:endParaRPr lang="it-IT" dirty="0" smtClean="0"/>
+          </a:p>
+          <a:p>
+            <a:pPr lvl="1"/>
+            <a:r>
+              <a:rPr lang="it-IT" dirty="0" err="1" smtClean="0"/>
+              <a:t>This</a:t>
+            </a:r>
+            <a:r>
+              <a:rPr lang="it-IT" dirty="0" smtClean="0"/>
+              <a:t> </a:t>
+            </a:r>
+            <a:r>
+              <a:rPr lang="it-IT" dirty="0" err="1" smtClean="0"/>
+              <a:t>is</a:t>
+            </a:r>
+            <a:r>
+              <a:rPr lang="it-IT" dirty="0" smtClean="0"/>
+              <a:t> the </a:t>
+            </a:r>
+            <a:r>
+              <a:rPr lang="it-IT" dirty="0" err="1" smtClean="0"/>
+              <a:t>result</a:t>
+            </a:r>
+            <a:r>
+              <a:rPr lang="it-IT" dirty="0" smtClean="0"/>
+              <a:t> of  database-</a:t>
+            </a:r>
+            <a:r>
+              <a:rPr lang="it-IT" dirty="0" err="1" smtClean="0"/>
+              <a:t>like</a:t>
+            </a:r>
+            <a:r>
+              <a:rPr lang="it-IT" dirty="0" smtClean="0"/>
+              <a:t> </a:t>
+            </a:r>
+            <a:r>
+              <a:rPr lang="it-IT" dirty="0" err="1" smtClean="0"/>
+              <a:t>content</a:t>
+            </a:r>
+            <a:r>
+              <a:rPr lang="it-IT" dirty="0" smtClean="0"/>
+              <a:t> model </a:t>
+            </a:r>
+            <a:r>
+              <a:rPr lang="it-IT" dirty="0" err="1" smtClean="0"/>
+              <a:t>definition</a:t>
+            </a:r>
+            <a:endParaRPr lang="it-IT" dirty="0" smtClean="0"/>
+          </a:p>
+          <a:p>
+            <a:pPr lvl="2"/>
+            <a:r>
+              <a:rPr lang="it-IT" dirty="0" err="1" smtClean="0"/>
+              <a:t>It</a:t>
+            </a:r>
+            <a:r>
+              <a:rPr lang="it-IT" dirty="0" smtClean="0"/>
+              <a:t> </a:t>
+            </a:r>
+            <a:r>
+              <a:rPr lang="it-IT" dirty="0" err="1" smtClean="0"/>
+              <a:t>is</a:t>
+            </a:r>
+            <a:r>
+              <a:rPr lang="it-IT" dirty="0" smtClean="0"/>
+              <a:t> </a:t>
+            </a:r>
+            <a:r>
+              <a:rPr lang="it-IT" dirty="0" err="1" smtClean="0"/>
+              <a:t>wrong</a:t>
+            </a:r>
+            <a:r>
+              <a:rPr lang="it-IT" dirty="0" smtClean="0"/>
+              <a:t> </a:t>
+            </a:r>
+            <a:r>
+              <a:rPr lang="it-IT" dirty="0" err="1" smtClean="0"/>
+              <a:t>because</a:t>
+            </a:r>
+            <a:r>
+              <a:rPr lang="it-IT" dirty="0" smtClean="0"/>
+              <a:t> </a:t>
+            </a:r>
+            <a:r>
+              <a:rPr lang="it-IT" dirty="0" err="1" smtClean="0"/>
+              <a:t>it</a:t>
+            </a:r>
+            <a:r>
+              <a:rPr lang="it-IT" dirty="0" smtClean="0"/>
+              <a:t> </a:t>
+            </a:r>
+            <a:r>
+              <a:rPr lang="it-IT" dirty="0" err="1" smtClean="0"/>
+              <a:t>is</a:t>
+            </a:r>
+            <a:r>
+              <a:rPr lang="it-IT" dirty="0" smtClean="0"/>
+              <a:t> </a:t>
+            </a:r>
+            <a:r>
+              <a:rPr lang="it-IT" dirty="0" err="1" smtClean="0"/>
+              <a:t>inefficient</a:t>
+            </a:r>
+            <a:r>
+              <a:rPr lang="it-IT" dirty="0" smtClean="0"/>
+              <a:t> and </a:t>
+            </a:r>
+            <a:r>
+              <a:rPr lang="it-IT" dirty="0" err="1" smtClean="0"/>
+              <a:t>very</a:t>
+            </a:r>
+            <a:r>
+              <a:rPr lang="it-IT" dirty="0" smtClean="0"/>
+              <a:t> hard to </a:t>
+            </a:r>
+            <a:r>
+              <a:rPr lang="it-IT" dirty="0" err="1" smtClean="0"/>
+              <a:t>edit</a:t>
+            </a:r>
+            <a:endParaRPr lang="it-IT" dirty="0" smtClean="0"/>
+          </a:p>
+          <a:p>
+            <a:r>
+              <a:rPr lang="it-IT" dirty="0" smtClean="0"/>
+              <a:t>The </a:t>
+            </a:r>
+            <a:r>
+              <a:rPr lang="it-IT" dirty="0" err="1" smtClean="0"/>
+              <a:t>typical</a:t>
+            </a:r>
+            <a:r>
+              <a:rPr lang="it-IT" dirty="0" smtClean="0"/>
+              <a:t> </a:t>
+            </a:r>
+            <a:r>
+              <a:rPr lang="it-IT" dirty="0" err="1" smtClean="0"/>
+              <a:t>nightmare</a:t>
+            </a:r>
+            <a:r>
+              <a:rPr lang="it-IT" dirty="0" smtClean="0"/>
+              <a:t>:  a "relation </a:t>
+            </a:r>
+            <a:r>
+              <a:rPr lang="it-IT" dirty="0" err="1" smtClean="0"/>
+              <a:t>asset</a:t>
+            </a:r>
+            <a:r>
+              <a:rPr lang="it-IT" dirty="0" smtClean="0"/>
+              <a:t>"</a:t>
+            </a:r>
+            <a:endParaRPr lang="it-IT" dirty="0"/>
+          </a:p>
+        </p:txBody>
+      </p:sp>
+      <p:sp>
+        <p:nvSpPr>
+          <p:cNvPr id="4" name="Segnaposto numero diapositiva 3"/>
+          <p:cNvSpPr>
+            <a:spLocks noGrp="1"/>
+          </p:cNvSpPr>
+          <p:nvPr>
+            <p:ph type="sldNum" sz="quarter" idx="12"/>
+          </p:nvPr>
+        </p:nvSpPr>
+        <p:spPr/>
+        <p:txBody>
+          <a:bodyPr/>
+          <a:lstStyle/>
+          <a:p>
+            <a:fld id="{D57F1E4F-1CFF-5643-939E-217C01CDF565}" type="slidenum">
+              <a:rPr lang="en-US" smtClean="0"/>
+              <a:pPr/>
+              <a:t>5</a:t>
+            </a:fld>
+            <a:endParaRPr lang="en-US" dirty="0"/>
+          </a:p>
+        </p:txBody>
+      </p:sp>
+    </p:spTree>
+    <p:extLst>
+      <p:ext uri="{BB962C8B-B14F-4D97-AF65-F5344CB8AC3E}">
+        <p14:creationId xmlns:p14="http://schemas.microsoft.com/office/powerpoint/2010/main" val="1939573624"/>
+      </p:ext>
+    </p:extLst>
+  </p:cSld>
+  <p:clrMapOvr>
+    <a:masterClrMapping/>
+  </p:clrMapOvr>
+  <p:timing>
+    <p:tnLst>
+      <p:par>
+        <p:cTn xmlns:p14="http://schemas.microsoft.com/office/powerpoint/2010/main" id="1" dur="indefinite" restart="never" nodeType="tmRoot"/>
+      </p:par>
+    </p:tnLst>
+  </p:timing>
+</p:sld>
+</file>
+
+<file path=ppt/slides/slide50.xml><?xml version="1.0" encoding="utf-8"?>
+<p:sld xmlns:a="http://schemas.openxmlformats.org/drawingml/2006/main" xmlns:r="http://schemas.openxmlformats.org/officeDocument/2006/relationships" xmlns:p="http://schemas.openxmlformats.org/presentationml/2006/main">
+  <p:cSld>
+    <p:spTree>
+      <p:nvGrpSpPr>
+        <p:cNvPr id="1" name=""/>
+        <p:cNvGrpSpPr/>
+        <p:nvPr/>
+      </p:nvGrpSpPr>
+      <p:grpSpPr>
+        <a:xfrm>
+          <a:off x="0" y="0"/>
+          <a:ext cx="0" cy="0"/>
+          <a:chOff x="0" y="0"/>
+          <a:chExt cx="0" cy="0"/>
+        </a:xfrm>
+      </p:grpSpPr>
+      <p:sp>
+        <p:nvSpPr>
+          <p:cNvPr id="6" name="Titolo 5"/>
+          <p:cNvSpPr>
+            <a:spLocks noGrp="1"/>
+          </p:cNvSpPr>
+          <p:nvPr>
+            <p:ph type="title"/>
+          </p:nvPr>
+        </p:nvSpPr>
+        <p:spPr/>
+        <p:txBody>
+          <a:bodyPr/>
+          <a:lstStyle/>
+          <a:p>
+            <a:r>
+              <a:rPr lang="it-IT" dirty="0" err="1" smtClean="0"/>
+              <a:t>Dependencies</a:t>
+            </a:r>
+            <a:r>
+              <a:rPr lang="it-IT" dirty="0" smtClean="0"/>
+              <a:t> (the easy part)</a:t>
+            </a:r>
+            <a:endParaRPr lang="it-IT" dirty="0"/>
+          </a:p>
+        </p:txBody>
+      </p:sp>
+      <p:sp>
+        <p:nvSpPr>
+          <p:cNvPr id="5" name="Segnaposto numero diapositiva 4"/>
+          <p:cNvSpPr>
+            <a:spLocks noGrp="1"/>
+          </p:cNvSpPr>
+          <p:nvPr>
+            <p:ph type="sldNum" sz="quarter" idx="12"/>
+          </p:nvPr>
+        </p:nvSpPr>
+        <p:spPr/>
+        <p:txBody>
+          <a:bodyPr/>
+          <a:lstStyle/>
+          <a:p>
+            <a:fld id="{D57F1E4F-1CFF-5643-939E-217C01CDF565}" type="slidenum">
+              <a:rPr lang="en-US" smtClean="0"/>
+              <a:pPr/>
+              <a:t>50</a:t>
             </a:fld>
             <a:endParaRPr lang="en-US" dirty="0"/>
           </a:p>
@@ -14772,7 +18108,7 @@
 </p:sld>
 </file>
 
-<file path=ppt/slides/slide41.xml><?xml version="1.0" encoding="utf-8"?>
+<file path=ppt/slides/slide51.xml><?xml version="1.0" encoding="utf-8"?>
 <p:sld xmlns:a="http://schemas.openxmlformats.org/drawingml/2006/main" xmlns:r="http://schemas.openxmlformats.org/officeDocument/2006/relationships" xmlns:p="http://schemas.openxmlformats.org/presentationml/2006/main">
   <p:cSld>
     <p:spTree>
@@ -14838,7 +18174,7 @@
             <a:fld id="{D57F1E4F-1CFF-5643-939E-217C01CDF565}" type="slidenum">
               <a:rPr lang="en-US" smtClean="0"/>
               <a:pPr/>
-              <a:t>41</a:t>
+              <a:t>51</a:t>
             </a:fld>
             <a:endParaRPr lang="en-US" dirty="0"/>
           </a:p>
@@ -14995,7 +18331,7 @@
 </p:sld>
 </file>
 
-<file path=ppt/slides/slide42.xml><?xml version="1.0" encoding="utf-8"?>
+<file path=ppt/slides/slide52.xml><?xml version="1.0" encoding="utf-8"?>
 <p:sld xmlns:a="http://schemas.openxmlformats.org/drawingml/2006/main" xmlns:r="http://schemas.openxmlformats.org/officeDocument/2006/relationships" xmlns:p="http://schemas.openxmlformats.org/presentationml/2006/main">
   <p:cSld>
     <p:spTree>
@@ -15053,7 +18389,7 @@
             <a:fld id="{D57F1E4F-1CFF-5643-939E-217C01CDF565}" type="slidenum">
               <a:rPr lang="en-US" smtClean="0"/>
               <a:pPr/>
-              <a:t>42</a:t>
+              <a:t>52</a:t>
             </a:fld>
             <a:endParaRPr lang="en-US" dirty="0"/>
           </a:p>
@@ -15271,7 +18607,7 @@
 </p:sld>
 </file>
 
-<file path=ppt/slides/slide43.xml><?xml version="1.0" encoding="utf-8"?>
+<file path=ppt/slides/slide53.xml><?xml version="1.0" encoding="utf-8"?>
 <p:sld xmlns:a="http://schemas.openxmlformats.org/drawingml/2006/main" xmlns:r="http://schemas.openxmlformats.org/officeDocument/2006/relationships" xmlns:p="http://schemas.openxmlformats.org/presentationml/2006/main">
   <p:cSld>
     <p:spTree>
@@ -15338,7 +18674,7 @@
             <a:fld id="{D57F1E4F-1CFF-5643-939E-217C01CDF565}" type="slidenum">
               <a:rPr lang="en-US" smtClean="0"/>
               <a:pPr/>
-              <a:t>43</a:t>
+              <a:t>53</a:t>
             </a:fld>
             <a:endParaRPr lang="en-US" dirty="0"/>
           </a:p>
@@ -15674,7 +19010,7 @@
 </p:sld>
 </file>
 
-<file path=ppt/slides/slide44.xml><?xml version="1.0" encoding="utf-8"?>
+<file path=ppt/slides/slide54.xml><?xml version="1.0" encoding="utf-8"?>
 <p:sld xmlns:a="http://schemas.openxmlformats.org/drawingml/2006/main" xmlns:r="http://schemas.openxmlformats.org/officeDocument/2006/relationships" xmlns:p="http://schemas.openxmlformats.org/presentationml/2006/main">
   <p:cSld>
     <p:spTree>
@@ -15779,7 +19115,7 @@
             <a:fld id="{D57F1E4F-1CFF-5643-939E-217C01CDF565}" type="slidenum">
               <a:rPr lang="en-US" smtClean="0"/>
               <a:pPr/>
-              <a:t>44</a:t>
+              <a:t>54</a:t>
             </a:fld>
             <a:endParaRPr lang="en-US" dirty="0"/>
           </a:p>
@@ -15805,7 +19141,7 @@
 </p:sld>
 </file>
 
-<file path=ppt/slides/slide45.xml><?xml version="1.0" encoding="utf-8"?>
+<file path=ppt/slides/slide55.xml><?xml version="1.0" encoding="utf-8"?>
 <p:sld xmlns:a="http://schemas.openxmlformats.org/drawingml/2006/main" xmlns:r="http://schemas.openxmlformats.org/officeDocument/2006/relationships" xmlns:p="http://schemas.openxmlformats.org/presentationml/2006/main">
   <p:cSld>
     <p:spTree>
@@ -16033,7 +19369,7 @@
             <a:fld id="{D57F1E4F-1CFF-5643-939E-217C01CDF565}" type="slidenum">
               <a:rPr lang="en-US" smtClean="0"/>
               <a:pPr/>
-              <a:t>45</a:t>
+              <a:t>55</a:t>
             </a:fld>
             <a:endParaRPr lang="en-US" dirty="0"/>
           </a:p>
@@ -16083,7 +19419,7 @@
 </p:sld>
 </file>
 
-<file path=ppt/slides/slide46.xml><?xml version="1.0" encoding="utf-8"?>
+<file path=ppt/slides/slide56.xml><?xml version="1.0" encoding="utf-8"?>
 <p:sld xmlns:a="http://schemas.openxmlformats.org/drawingml/2006/main" xmlns:r="http://schemas.openxmlformats.org/officeDocument/2006/relationships" xmlns:p="http://schemas.openxmlformats.org/presentationml/2006/main">
   <p:cSld>
     <p:spTree>
@@ -16319,7 +19655,7 @@
             <a:fld id="{D57F1E4F-1CFF-5643-939E-217C01CDF565}" type="slidenum">
               <a:rPr lang="en-US" smtClean="0"/>
               <a:pPr/>
-              <a:t>46</a:t>
+              <a:t>56</a:t>
             </a:fld>
             <a:endParaRPr lang="en-US" dirty="0"/>
           </a:p>
@@ -16345,7 +19681,7 @@
 </p:sld>
 </file>
 
-<file path=ppt/slides/slide47.xml><?xml version="1.0" encoding="utf-8"?>
+<file path=ppt/slides/slide57.xml><?xml version="1.0" encoding="utf-8"?>
 <p:sld xmlns:a="http://schemas.openxmlformats.org/drawingml/2006/main" xmlns:r="http://schemas.openxmlformats.org/officeDocument/2006/relationships" xmlns:p="http://schemas.openxmlformats.org/presentationml/2006/main">
   <p:cSld>
     <p:spTree>
@@ -16467,7 +19803,7 @@
             <a:fld id="{D57F1E4F-1CFF-5643-939E-217C01CDF565}" type="slidenum">
               <a:rPr lang="en-US" smtClean="0"/>
               <a:pPr/>
-              <a:t>47</a:t>
+              <a:t>57</a:t>
             </a:fld>
             <a:endParaRPr lang="en-US" dirty="0"/>
           </a:p>
@@ -16493,7 +19829,7 @@
 </p:sld>
 </file>
 
-<file path=ppt/slides/slide48.xml><?xml version="1.0" encoding="utf-8"?>
+<file path=ppt/slides/slide58.xml><?xml version="1.0" encoding="utf-8"?>
 <p:sld xmlns:a="http://schemas.openxmlformats.org/drawingml/2006/main" xmlns:r="http://schemas.openxmlformats.org/officeDocument/2006/relationships" xmlns:p="http://schemas.openxmlformats.org/presentationml/2006/main">
   <p:cSld>
     <p:spTree>
@@ -16712,7 +20048,7 @@
             <a:fld id="{D57F1E4F-1CFF-5643-939E-217C01CDF565}" type="slidenum">
               <a:rPr lang="en-US" smtClean="0"/>
               <a:pPr/>
-              <a:t>48</a:t>
+              <a:t>58</a:t>
             </a:fld>
             <a:endParaRPr lang="en-US" dirty="0"/>
           </a:p>
@@ -16738,7 +20074,7 @@
 </p:sld>
 </file>
 
-<file path=ppt/slides/slide49.xml><?xml version="1.0" encoding="utf-8"?>
+<file path=ppt/slides/slide59.xml><?xml version="1.0" encoding="utf-8"?>
 <p:sld xmlns:a="http://schemas.openxmlformats.org/drawingml/2006/main" xmlns:r="http://schemas.openxmlformats.org/officeDocument/2006/relationships" xmlns:p="http://schemas.openxmlformats.org/presentationml/2006/main">
   <p:cSld>
     <p:spTree>
@@ -16884,7 +20220,7 @@
             <a:fld id="{D57F1E4F-1CFF-5643-939E-217C01CDF565}" type="slidenum">
               <a:rPr lang="en-US" smtClean="0"/>
               <a:pPr/>
-              <a:t>49</a:t>
+              <a:t>59</a:t>
             </a:fld>
             <a:endParaRPr lang="en-US" dirty="0"/>
           </a:p>
@@ -16894,496 +20230,6 @@
     <p:extLst>
       <p:ext uri="{BB962C8B-B14F-4D97-AF65-F5344CB8AC3E}">
         <p14:creationId xmlns:p14="http://schemas.microsoft.com/office/powerpoint/2010/main" val="4176642154"/>
-      </p:ext>
-    </p:extLst>
-  </p:cSld>
-  <p:clrMapOvr>
-    <a:masterClrMapping/>
-  </p:clrMapOvr>
-  <p:timing>
-    <p:tnLst>
-      <p:par>
-        <p:cTn xmlns:p14="http://schemas.microsoft.com/office/powerpoint/2010/main" id="1" dur="indefinite" restart="never" nodeType="tmRoot"/>
-      </p:par>
-    </p:tnLst>
-  </p:timing>
-</p:sld>
-</file>
-
-<file path=ppt/slides/slide5.xml><?xml version="1.0" encoding="utf-8"?>
-<p:sld xmlns:a="http://schemas.openxmlformats.org/drawingml/2006/main" xmlns:r="http://schemas.openxmlformats.org/officeDocument/2006/relationships" xmlns:p="http://schemas.openxmlformats.org/presentationml/2006/main">
-  <p:cSld>
-    <p:spTree>
-      <p:nvGrpSpPr>
-        <p:cNvPr id="1" name=""/>
-        <p:cNvGrpSpPr/>
-        <p:nvPr/>
-      </p:nvGrpSpPr>
-      <p:grpSpPr>
-        <a:xfrm>
-          <a:off x="0" y="0"/>
-          <a:ext cx="0" cy="0"/>
-          <a:chOff x="0" y="0"/>
-          <a:chExt cx="0" cy="0"/>
-        </a:xfrm>
-      </p:grpSpPr>
-      <p:sp>
-        <p:nvSpPr>
-          <p:cNvPr id="2" name="Titolo 1"/>
-          <p:cNvSpPr>
-            <a:spLocks noGrp="1"/>
-          </p:cNvSpPr>
-          <p:nvPr>
-            <p:ph type="title"/>
-          </p:nvPr>
-        </p:nvSpPr>
-        <p:spPr/>
-        <p:txBody>
-          <a:bodyPr/>
-          <a:lstStyle/>
-          <a:p>
-            <a:r>
-              <a:rPr lang="it-IT" dirty="0" smtClean="0"/>
-              <a:t>Content Model </a:t>
-            </a:r>
-            <a:r>
-              <a:rPr lang="it-IT" dirty="0" err="1" smtClean="0"/>
-              <a:t>is</a:t>
-            </a:r>
-            <a:r>
-              <a:rPr lang="it-IT" dirty="0" smtClean="0"/>
-              <a:t> the </a:t>
-            </a:r>
-            <a:r>
-              <a:rPr lang="it-IT" b="1" dirty="0" err="1" smtClean="0"/>
-              <a:t>king</a:t>
-            </a:r>
-            <a:endParaRPr lang="it-IT" b="1" dirty="0"/>
-          </a:p>
-        </p:txBody>
-      </p:sp>
-      <p:sp>
-        <p:nvSpPr>
-          <p:cNvPr id="3" name="Segnaposto contenuto 2"/>
-          <p:cNvSpPr>
-            <a:spLocks noGrp="1"/>
-          </p:cNvSpPr>
-          <p:nvPr>
-            <p:ph idx="1"/>
-          </p:nvPr>
-        </p:nvSpPr>
-        <p:spPr/>
-        <p:txBody>
-          <a:bodyPr>
-            <a:normAutofit lnSpcReduction="10000"/>
-          </a:bodyPr>
-          <a:lstStyle/>
-          <a:p>
-            <a:r>
-              <a:rPr lang="it-IT" dirty="0" smtClean="0"/>
-              <a:t>A CMS </a:t>
-            </a:r>
-            <a:r>
-              <a:rPr lang="it-IT" dirty="0" err="1" smtClean="0"/>
-              <a:t>is</a:t>
-            </a:r>
-            <a:r>
-              <a:rPr lang="it-IT" dirty="0" smtClean="0"/>
-              <a:t> </a:t>
-            </a:r>
-            <a:r>
-              <a:rPr lang="it-IT" dirty="0" err="1" smtClean="0"/>
-              <a:t>good</a:t>
-            </a:r>
-            <a:r>
-              <a:rPr lang="it-IT" dirty="0" smtClean="0"/>
-              <a:t> </a:t>
-            </a:r>
-            <a:r>
-              <a:rPr lang="it-IT" dirty="0" err="1" smtClean="0"/>
-              <a:t>as</a:t>
-            </a:r>
-            <a:r>
-              <a:rPr lang="it-IT" dirty="0" smtClean="0"/>
-              <a:t> long </a:t>
-            </a:r>
-            <a:r>
-              <a:rPr lang="it-IT" dirty="0" err="1" smtClean="0"/>
-              <a:t>as</a:t>
-            </a:r>
-            <a:r>
-              <a:rPr lang="it-IT" dirty="0" smtClean="0"/>
-              <a:t> </a:t>
-            </a:r>
-            <a:r>
-              <a:rPr lang="it-IT" dirty="0" err="1" smtClean="0"/>
-              <a:t>it</a:t>
-            </a:r>
-            <a:r>
-              <a:rPr lang="it-IT" dirty="0" smtClean="0"/>
-              <a:t> </a:t>
-            </a:r>
-            <a:r>
-              <a:rPr lang="it-IT" dirty="0" err="1" smtClean="0"/>
-              <a:t>is</a:t>
-            </a:r>
-            <a:r>
-              <a:rPr lang="it-IT" dirty="0" smtClean="0"/>
-              <a:t> easy to </a:t>
-            </a:r>
-            <a:r>
-              <a:rPr lang="it-IT" dirty="0" err="1" smtClean="0"/>
-              <a:t>edit</a:t>
-            </a:r>
-            <a:r>
-              <a:rPr lang="it-IT" dirty="0" smtClean="0"/>
-              <a:t> a site</a:t>
-            </a:r>
-          </a:p>
-          <a:p>
-            <a:pPr lvl="1"/>
-            <a:r>
-              <a:rPr lang="it-IT" dirty="0" err="1" smtClean="0"/>
-              <a:t>Hence</a:t>
-            </a:r>
-            <a:r>
-              <a:rPr lang="it-IT" dirty="0" smtClean="0"/>
-              <a:t> </a:t>
-            </a:r>
-            <a:r>
-              <a:rPr lang="it-IT" dirty="0" err="1" smtClean="0"/>
-              <a:t>you</a:t>
-            </a:r>
-            <a:r>
-              <a:rPr lang="it-IT" dirty="0" smtClean="0"/>
-              <a:t> </a:t>
-            </a:r>
-            <a:r>
-              <a:rPr lang="it-IT" dirty="0" err="1" smtClean="0"/>
-              <a:t>need</a:t>
-            </a:r>
-            <a:r>
-              <a:rPr lang="it-IT" dirty="0" smtClean="0"/>
-              <a:t> to design a website </a:t>
-            </a:r>
-            <a:r>
-              <a:rPr lang="it-IT" dirty="0" err="1" smtClean="0"/>
-              <a:t>that</a:t>
-            </a:r>
-            <a:r>
-              <a:rPr lang="it-IT" dirty="0" smtClean="0"/>
-              <a:t> </a:t>
-            </a:r>
-            <a:r>
-              <a:rPr lang="it-IT" dirty="0" err="1" smtClean="0"/>
-              <a:t>is</a:t>
-            </a:r>
-            <a:r>
-              <a:rPr lang="it-IT" dirty="0" smtClean="0"/>
-              <a:t> easy to </a:t>
-            </a:r>
-            <a:r>
-              <a:rPr lang="it-IT" dirty="0" err="1" smtClean="0"/>
-              <a:t>edit</a:t>
-            </a:r>
-            <a:endParaRPr lang="it-IT" dirty="0" smtClean="0"/>
-          </a:p>
-          <a:p>
-            <a:pPr lvl="1"/>
-            <a:r>
-              <a:rPr lang="it-IT" dirty="0" err="1" smtClean="0"/>
-              <a:t>This</a:t>
-            </a:r>
-            <a:r>
-              <a:rPr lang="it-IT" dirty="0" smtClean="0"/>
-              <a:t> </a:t>
-            </a:r>
-            <a:r>
-              <a:rPr lang="it-IT" dirty="0" err="1" smtClean="0"/>
-              <a:t>does</a:t>
-            </a:r>
-            <a:r>
-              <a:rPr lang="it-IT" dirty="0" smtClean="0"/>
-              <a:t> NOT </a:t>
-            </a:r>
-            <a:r>
-              <a:rPr lang="it-IT" dirty="0" err="1" smtClean="0"/>
-              <a:t>translate</a:t>
-            </a:r>
-            <a:r>
-              <a:rPr lang="it-IT" dirty="0" smtClean="0"/>
-              <a:t> in a web site </a:t>
-            </a:r>
-            <a:r>
-              <a:rPr lang="it-IT" dirty="0" err="1" smtClean="0"/>
-              <a:t>that</a:t>
-            </a:r>
-            <a:r>
-              <a:rPr lang="it-IT" dirty="0" smtClean="0"/>
-              <a:t> </a:t>
-            </a:r>
-            <a:r>
-              <a:rPr lang="it-IT" dirty="0" err="1" smtClean="0"/>
-              <a:t>is</a:t>
-            </a:r>
-            <a:r>
-              <a:rPr lang="it-IT" dirty="0" smtClean="0"/>
-              <a:t> easy to </a:t>
-            </a:r>
-            <a:r>
-              <a:rPr lang="it-IT" dirty="0" err="1" smtClean="0"/>
-              <a:t>develop</a:t>
-            </a:r>
-            <a:endParaRPr lang="it-IT" dirty="0" smtClean="0"/>
-          </a:p>
-          <a:p>
-            <a:r>
-              <a:rPr lang="it-IT" dirty="0" smtClean="0"/>
-              <a:t>The </a:t>
-            </a:r>
-            <a:r>
-              <a:rPr lang="it-IT" dirty="0" err="1" smtClean="0"/>
-              <a:t>biggest</a:t>
-            </a:r>
-            <a:r>
-              <a:rPr lang="it-IT" dirty="0" smtClean="0"/>
-              <a:t> </a:t>
-            </a:r>
-            <a:r>
-              <a:rPr lang="it-IT" dirty="0" err="1" smtClean="0"/>
-              <a:t>complain</a:t>
-            </a:r>
-            <a:r>
-              <a:rPr lang="it-IT" dirty="0" smtClean="0"/>
-              <a:t> of end </a:t>
-            </a:r>
-            <a:r>
-              <a:rPr lang="it-IT" dirty="0" err="1" smtClean="0"/>
-              <a:t>user</a:t>
-            </a:r>
-            <a:r>
-              <a:rPr lang="it-IT" dirty="0" smtClean="0"/>
-              <a:t> </a:t>
-            </a:r>
-            <a:r>
-              <a:rPr lang="it-IT" dirty="0" err="1" smtClean="0"/>
-              <a:t>is</a:t>
-            </a:r>
-            <a:r>
-              <a:rPr lang="it-IT" dirty="0" smtClean="0"/>
-              <a:t> </a:t>
-            </a:r>
-            <a:r>
-              <a:rPr lang="it-IT" dirty="0" err="1" smtClean="0"/>
-              <a:t>that</a:t>
-            </a:r>
-            <a:r>
-              <a:rPr lang="it-IT" dirty="0" smtClean="0"/>
-              <a:t> the site </a:t>
-            </a:r>
-            <a:r>
-              <a:rPr lang="it-IT" dirty="0" err="1" smtClean="0"/>
-              <a:t>is</a:t>
-            </a:r>
-            <a:r>
-              <a:rPr lang="it-IT" dirty="0" smtClean="0"/>
-              <a:t> </a:t>
-            </a:r>
-            <a:r>
-              <a:rPr lang="it-IT" dirty="0" err="1" smtClean="0"/>
-              <a:t>awkward</a:t>
-            </a:r>
-            <a:r>
-              <a:rPr lang="it-IT" dirty="0" smtClean="0"/>
-              <a:t> to </a:t>
-            </a:r>
-            <a:r>
-              <a:rPr lang="it-IT" dirty="0" err="1" smtClean="0"/>
-              <a:t>edit</a:t>
-            </a:r>
-            <a:endParaRPr lang="it-IT" dirty="0" smtClean="0"/>
-          </a:p>
-          <a:p>
-            <a:pPr lvl="1"/>
-            <a:r>
-              <a:rPr lang="it-IT" dirty="0" err="1" smtClean="0"/>
-              <a:t>This</a:t>
-            </a:r>
-            <a:r>
-              <a:rPr lang="it-IT" dirty="0" smtClean="0"/>
-              <a:t> </a:t>
-            </a:r>
-            <a:r>
-              <a:rPr lang="it-IT" dirty="0" err="1" smtClean="0"/>
-              <a:t>is</a:t>
-            </a:r>
-            <a:r>
-              <a:rPr lang="it-IT" dirty="0" smtClean="0"/>
-              <a:t> the </a:t>
-            </a:r>
-            <a:r>
-              <a:rPr lang="it-IT" dirty="0" err="1" smtClean="0"/>
-              <a:t>result</a:t>
-            </a:r>
-            <a:r>
-              <a:rPr lang="it-IT" dirty="0" smtClean="0"/>
-              <a:t> of  database-</a:t>
-            </a:r>
-            <a:r>
-              <a:rPr lang="it-IT" dirty="0" err="1" smtClean="0"/>
-              <a:t>like</a:t>
-            </a:r>
-            <a:r>
-              <a:rPr lang="it-IT" dirty="0" smtClean="0"/>
-              <a:t> </a:t>
-            </a:r>
-            <a:r>
-              <a:rPr lang="it-IT" dirty="0" err="1" smtClean="0"/>
-              <a:t>content</a:t>
-            </a:r>
-            <a:r>
-              <a:rPr lang="it-IT" dirty="0" smtClean="0"/>
-              <a:t> model </a:t>
-            </a:r>
-            <a:r>
-              <a:rPr lang="it-IT" dirty="0" err="1" smtClean="0"/>
-              <a:t>definition</a:t>
-            </a:r>
-            <a:endParaRPr lang="it-IT" dirty="0" smtClean="0"/>
-          </a:p>
-          <a:p>
-            <a:pPr lvl="2"/>
-            <a:r>
-              <a:rPr lang="it-IT" dirty="0" err="1" smtClean="0"/>
-              <a:t>It</a:t>
-            </a:r>
-            <a:r>
-              <a:rPr lang="it-IT" dirty="0" smtClean="0"/>
-              <a:t> </a:t>
-            </a:r>
-            <a:r>
-              <a:rPr lang="it-IT" dirty="0" err="1" smtClean="0"/>
-              <a:t>is</a:t>
-            </a:r>
-            <a:r>
-              <a:rPr lang="it-IT" dirty="0" smtClean="0"/>
-              <a:t> </a:t>
-            </a:r>
-            <a:r>
-              <a:rPr lang="it-IT" dirty="0" err="1" smtClean="0"/>
-              <a:t>wrong</a:t>
-            </a:r>
-            <a:r>
-              <a:rPr lang="it-IT" dirty="0" smtClean="0"/>
-              <a:t> </a:t>
-            </a:r>
-            <a:r>
-              <a:rPr lang="it-IT" dirty="0" err="1" smtClean="0"/>
-              <a:t>because</a:t>
-            </a:r>
-            <a:r>
-              <a:rPr lang="it-IT" dirty="0" smtClean="0"/>
-              <a:t> </a:t>
-            </a:r>
-            <a:r>
-              <a:rPr lang="it-IT" dirty="0" err="1" smtClean="0"/>
-              <a:t>it</a:t>
-            </a:r>
-            <a:r>
-              <a:rPr lang="it-IT" dirty="0" smtClean="0"/>
-              <a:t> </a:t>
-            </a:r>
-            <a:r>
-              <a:rPr lang="it-IT" dirty="0" err="1" smtClean="0"/>
-              <a:t>is</a:t>
-            </a:r>
-            <a:r>
-              <a:rPr lang="it-IT" dirty="0" smtClean="0"/>
-              <a:t> </a:t>
-            </a:r>
-            <a:r>
-              <a:rPr lang="it-IT" dirty="0" err="1" smtClean="0"/>
-              <a:t>inefficient</a:t>
-            </a:r>
-            <a:r>
-              <a:rPr lang="it-IT" dirty="0" smtClean="0"/>
-              <a:t> and </a:t>
-            </a:r>
-            <a:r>
-              <a:rPr lang="it-IT" dirty="0" err="1" smtClean="0"/>
-              <a:t>very</a:t>
-            </a:r>
-            <a:r>
-              <a:rPr lang="it-IT" dirty="0" smtClean="0"/>
-              <a:t> hard to </a:t>
-            </a:r>
-            <a:r>
-              <a:rPr lang="it-IT" dirty="0" err="1" smtClean="0"/>
-              <a:t>edit</a:t>
-            </a:r>
-            <a:endParaRPr lang="it-IT" dirty="0" smtClean="0"/>
-          </a:p>
-          <a:p>
-            <a:r>
-              <a:rPr lang="it-IT" dirty="0" smtClean="0"/>
-              <a:t>The </a:t>
-            </a:r>
-            <a:r>
-              <a:rPr lang="it-IT" dirty="0" err="1" smtClean="0"/>
-              <a:t>typical</a:t>
-            </a:r>
-            <a:r>
-              <a:rPr lang="it-IT" dirty="0" smtClean="0"/>
-              <a:t> </a:t>
-            </a:r>
-            <a:r>
-              <a:rPr lang="it-IT" dirty="0" err="1" smtClean="0"/>
-              <a:t>nightmare</a:t>
-            </a:r>
-            <a:r>
-              <a:rPr lang="it-IT" dirty="0" smtClean="0"/>
-              <a:t>:  a "relation </a:t>
-            </a:r>
-            <a:r>
-              <a:rPr lang="it-IT" dirty="0" err="1" smtClean="0"/>
-              <a:t>asset</a:t>
-            </a:r>
-            <a:r>
-              <a:rPr lang="it-IT" dirty="0" smtClean="0"/>
-              <a:t>"</a:t>
-            </a:r>
-            <a:endParaRPr lang="it-IT" dirty="0"/>
-          </a:p>
-        </p:txBody>
-      </p:sp>
-      <p:sp>
-        <p:nvSpPr>
-          <p:cNvPr id="4" name="Segnaposto numero diapositiva 3"/>
-          <p:cNvSpPr>
-            <a:spLocks noGrp="1"/>
-          </p:cNvSpPr>
-          <p:nvPr>
-            <p:ph type="sldNum" sz="quarter" idx="12"/>
-          </p:nvPr>
-        </p:nvSpPr>
-        <p:spPr/>
-        <p:txBody>
-          <a:bodyPr/>
-          <a:lstStyle/>
-          <a:p>
-            <a:fld id="{D57F1E4F-1CFF-5643-939E-217C01CDF565}" type="slidenum">
-              <a:rPr lang="en-US" smtClean="0"/>
-              <a:pPr/>
-              <a:t>5</a:t>
-            </a:fld>
-            <a:endParaRPr lang="en-US" dirty="0"/>
-          </a:p>
-        </p:txBody>
-      </p:sp>
-    </p:spTree>
-    <p:extLst>
-      <p:ext uri="{BB962C8B-B14F-4D97-AF65-F5344CB8AC3E}">
-        <p14:creationId xmlns:p14="http://schemas.microsoft.com/office/powerpoint/2010/main" val="1939573624"/>
       </p:ext>
     </p:extLst>
   </p:cSld>
@@ -18583,7 +21429,7 @@
   <a:extraClrSchemeLst/>
   <a:extLst>
     <a:ext uri="{05A4C25C-085E-4340-85A3-A5531E510DB2}">
-      <thm15:themeFamily xmlns:thm15="http://schemas.microsoft.com/office/thememl/2012/main" xmlns="" name="Office Theme" id="{62F939B6-93AF-4DB8-9C6B-D6C7DFDC589F}" vid="{4F46216B-77A9-411A-B9D3-5023FCB70208}"/>
+      <thm15:themeFamily xmlns="" xmlns:thm15="http://schemas.microsoft.com/office/thememl/2012/main" name="Office Theme" id="{62F939B6-93AF-4DB8-9C6B-D6C7DFDC589F}" vid="{4F46216B-77A9-411A-B9D3-5023FCB70208}"/>
     </a:ext>
   </a:extLst>
 </a:theme>
@@ -18844,7 +21690,7 @@
   <a:extraClrSchemeLst/>
   <a:extLst>
     <a:ext uri="{05A4C25C-085E-4340-85A3-A5531E510DB2}">
-      <thm15:themeFamily xmlns:thm15="http://schemas.microsoft.com/office/thememl/2012/main" xmlns="" name="Office Theme" id="{62F939B6-93AF-4DB8-9C6B-D6C7DFDC589F}" vid="{4A3C46E8-61CC-4603-A589-7422A47A8E4A}"/>
+      <thm15:themeFamily xmlns="" xmlns:thm15="http://schemas.microsoft.com/office/thememl/2012/main" name="Office Theme" id="{62F939B6-93AF-4DB8-9C6B-D6C7DFDC589F}" vid="{4A3C46E8-61CC-4603-A589-7422A47A8E4A}"/>
     </a:ext>
   </a:extLst>
 </a:theme>
